--- a/trunk/Presentacion/Solución de Inteligencia de Negocios.pptx
+++ b/trunk/Presentacion/Solución de Inteligencia de Negocios.pptx
@@ -2,7 +2,7 @@
 <file path=ppt/presentation.xml><?xml version="1.0" encoding="utf-8"?>
 <p:presentation xmlns:a="http://schemas.openxmlformats.org/drawingml/2006/main" xmlns:r="http://schemas.openxmlformats.org/officeDocument/2006/relationships" xmlns:p="http://schemas.openxmlformats.org/presentationml/2006/main" saveSubsetFonts="1">
   <p:sldMasterIdLst>
-    <p:sldMasterId id="2147483708" r:id="rId1"/>
+    <p:sldMasterId id="2147483720" r:id="rId1"/>
   </p:sldMasterIdLst>
   <p:sldIdLst>
     <p:sldId id="256" r:id="rId2"/>
@@ -116,11 +116,6 @@
 <file path=ppt/slideLayouts/slideLayout1.xml><?xml version="1.0" encoding="utf-8"?>
 <p:sldLayout xmlns:a="http://schemas.openxmlformats.org/drawingml/2006/main" xmlns:r="http://schemas.openxmlformats.org/officeDocument/2006/relationships" xmlns:p="http://schemas.openxmlformats.org/presentationml/2006/main" showMasterSp="0" type="title" preserve="1">
   <p:cSld name="Diapositiva de título">
-    <p:bg>
-      <p:bgRef idx="1002">
-        <a:schemeClr val="bg2"/>
-      </p:bgRef>
-    </p:bg>
     <p:spTree>
       <p:nvGrpSpPr>
         <p:cNvPr id="1" name=""/>
@@ -137,34 +132,71 @@
       </p:grpSpPr>
       <p:sp>
         <p:nvSpPr>
-          <p:cNvPr id="9" name="8 Rectángulo"/>
+          <p:cNvPr id="15" name="14 Rectángulo redondeado"/>
           <p:cNvSpPr/>
           <p:nvPr/>
         </p:nvSpPr>
-        <p:spPr bwMode="ltGray">
+        <p:spPr>
           <a:xfrm>
-            <a:off x="0" y="0"/>
-            <a:ext cx="9143999" cy="5135430"/>
+            <a:off x="304800" y="329184"/>
+            <a:ext cx="8532055" cy="6196819"/>
           </a:xfrm>
-          <a:prstGeom prst="rect">
-            <a:avLst/>
+          <a:prstGeom prst="roundRect">
+            <a:avLst>
+              <a:gd name="adj" fmla="val 2081"/>
+            </a:avLst>
           </a:prstGeom>
-          <a:solidFill>
-            <a:srgbClr val="000000"/>
-          </a:solidFill>
-          <a:ln w="48000" cap="flat" cmpd="thickThin" algn="ctr">
-            <a:noFill/>
+          <a:gradFill flip="none" rotWithShape="1">
+            <a:gsLst>
+              <a:gs pos="0">
+                <a:srgbClr val="FFFFFF">
+                  <a:shade val="100000"/>
+                </a:srgbClr>
+              </a:gs>
+              <a:gs pos="98000">
+                <a:srgbClr val="FFFFFF">
+                  <a:shade val="100000"/>
+                </a:srgbClr>
+              </a:gs>
+              <a:gs pos="99055">
+                <a:srgbClr val="FFFFFF">
+                  <a:shade val="93000"/>
+                </a:srgbClr>
+              </a:gs>
+              <a:gs pos="100000">
+                <a:srgbClr val="FFFFFF">
+                  <a:shade val="70000"/>
+                </a:srgbClr>
+              </a:gs>
+            </a:gsLst>
+            <a:lin ang="5400000" scaled="1"/>
+            <a:tileRect/>
+          </a:gradFill>
+          <a:ln w="2000" cap="rnd" cmpd="sng" algn="ctr">
+            <a:solidFill>
+              <a:srgbClr val="302F2C">
+                <a:tint val="65000"/>
+                <a:satMod val="120000"/>
+              </a:srgbClr>
+            </a:solidFill>
             <a:prstDash val="solid"/>
           </a:ln>
+          <a:effectLst>
+            <a:outerShdw blurRad="76200" dist="50800" dir="5400000" algn="tl" rotWithShape="0">
+              <a:srgbClr val="000000">
+                <a:alpha val="25000"/>
+              </a:srgbClr>
+            </a:outerShdw>
+          </a:effectLst>
         </p:spPr>
         <p:style>
-          <a:lnRef idx="2">
-            <a:schemeClr val="accent1"/>
+          <a:lnRef idx="3">
+            <a:schemeClr val="lt1"/>
           </a:lnRef>
           <a:fillRef idx="1">
             <a:schemeClr val="accent1"/>
           </a:fillRef>
-          <a:effectRef idx="0">
+          <a:effectRef idx="1">
             <a:schemeClr val="accent1"/>
           </a:effectRef>
           <a:fontRef idx="minor">
@@ -172,7 +204,7 @@
           </a:fontRef>
         </p:style>
         <p:txBody>
-          <a:bodyPr rtlCol="0" anchor="ctr"/>
+          <a:bodyPr anchor="ctr"/>
           <a:lstStyle>
             <a:extLst/>
           </a:lstStyle>
@@ -184,268 +216,59 @@
       </p:sp>
       <p:sp>
         <p:nvSpPr>
-          <p:cNvPr id="2" name="1 Título"/>
-          <p:cNvSpPr>
-            <a:spLocks noGrp="1"/>
-          </p:cNvSpPr>
-          <p:nvPr>
-            <p:ph type="ctrTitle"/>
-          </p:nvPr>
+          <p:cNvPr id="10" name="9 Rectángulo redondeado"/>
+          <p:cNvSpPr/>
+          <p:nvPr/>
         </p:nvSpPr>
         <p:spPr>
           <a:xfrm>
-            <a:off x="685800" y="3355848"/>
-            <a:ext cx="8077200" cy="1673352"/>
+            <a:off x="418596" y="434162"/>
+            <a:ext cx="8306809" cy="3108960"/>
           </a:xfrm>
-        </p:spPr>
-        <p:txBody>
-          <a:bodyPr vert="horz" lIns="91440" tIns="0" rIns="45720" bIns="0" rtlCol="0" anchor="t">
-            <a:normAutofit/>
-            <a:scene3d>
-              <a:camera prst="orthographicFront"/>
-              <a:lightRig rig="threePt" dir="t">
-                <a:rot lat="0" lon="0" rev="4800000"/>
-              </a:lightRig>
-            </a:scene3d>
-            <a:sp3d prstMaterial="matte">
-              <a:bevelT w="50800" h="10160"/>
-            </a:sp3d>
-          </a:bodyPr>
-          <a:lstStyle>
-            <a:lvl1pPr algn="l">
-              <a:defRPr sz="4700" b="1"/>
-            </a:lvl1pPr>
-            <a:extLst/>
-          </a:lstStyle>
-          <a:p>
-            <a:r>
-              <a:rPr kumimoji="0" lang="es-ES" smtClean="0"/>
-              <a:t>Haga clic para modificar el estilo de título del patrón</a:t>
-            </a:r>
-            <a:endParaRPr kumimoji="0" lang="en-US"/>
-          </a:p>
-        </p:txBody>
-      </p:sp>
-      <p:sp>
-        <p:nvSpPr>
-          <p:cNvPr id="3" name="2 Subtítulo"/>
-          <p:cNvSpPr>
-            <a:spLocks noGrp="1"/>
-          </p:cNvSpPr>
-          <p:nvPr>
-            <p:ph type="subTitle" idx="1"/>
-          </p:nvPr>
-        </p:nvSpPr>
-        <p:spPr>
-          <a:xfrm>
-            <a:off x="685800" y="1828800"/>
-            <a:ext cx="8077200" cy="1499616"/>
-          </a:xfrm>
-        </p:spPr>
-        <p:txBody>
-          <a:bodyPr lIns="118872" tIns="0" rIns="45720" bIns="0" anchor="b"/>
-          <a:lstStyle>
-            <a:lvl1pPr marL="0" indent="0" algn="l">
-              <a:buNone/>
-              <a:defRPr sz="2000">
-                <a:solidFill>
-                  <a:srgbClr val="FFFFFF"/>
-                </a:solidFill>
-              </a:defRPr>
-            </a:lvl1pPr>
-            <a:lvl2pPr marL="457200" indent="0" algn="ctr">
-              <a:buNone/>
-              <a:defRPr>
-                <a:solidFill>
-                  <a:schemeClr val="tx1">
-                    <a:tint val="75000"/>
-                  </a:schemeClr>
-                </a:solidFill>
-              </a:defRPr>
-            </a:lvl2pPr>
-            <a:lvl3pPr marL="914400" indent="0" algn="ctr">
-              <a:buNone/>
-              <a:defRPr>
-                <a:solidFill>
-                  <a:schemeClr val="tx1">
-                    <a:tint val="75000"/>
-                  </a:schemeClr>
-                </a:solidFill>
-              </a:defRPr>
-            </a:lvl3pPr>
-            <a:lvl4pPr marL="1371600" indent="0" algn="ctr">
-              <a:buNone/>
-              <a:defRPr>
-                <a:solidFill>
-                  <a:schemeClr val="tx1">
-                    <a:tint val="75000"/>
-                  </a:schemeClr>
-                </a:solidFill>
-              </a:defRPr>
-            </a:lvl4pPr>
-            <a:lvl5pPr marL="1828800" indent="0" algn="ctr">
-              <a:buNone/>
-              <a:defRPr>
-                <a:solidFill>
-                  <a:schemeClr val="tx1">
-                    <a:tint val="75000"/>
-                  </a:schemeClr>
-                </a:solidFill>
-              </a:defRPr>
-            </a:lvl5pPr>
-            <a:lvl6pPr marL="2286000" indent="0" algn="ctr">
-              <a:buNone/>
-              <a:defRPr>
-                <a:solidFill>
-                  <a:schemeClr val="tx1">
-                    <a:tint val="75000"/>
-                  </a:schemeClr>
-                </a:solidFill>
-              </a:defRPr>
-            </a:lvl6pPr>
-            <a:lvl7pPr marL="2743200" indent="0" algn="ctr">
-              <a:buNone/>
-              <a:defRPr>
-                <a:solidFill>
-                  <a:schemeClr val="tx1">
-                    <a:tint val="75000"/>
-                  </a:schemeClr>
-                </a:solidFill>
-              </a:defRPr>
-            </a:lvl7pPr>
-            <a:lvl8pPr marL="3200400" indent="0" algn="ctr">
-              <a:buNone/>
-              <a:defRPr>
-                <a:solidFill>
-                  <a:schemeClr val="tx1">
-                    <a:tint val="75000"/>
-                  </a:schemeClr>
-                </a:solidFill>
-              </a:defRPr>
-            </a:lvl8pPr>
-            <a:lvl9pPr marL="3657600" indent="0" algn="ctr">
-              <a:buNone/>
-              <a:defRPr>
-                <a:solidFill>
-                  <a:schemeClr val="tx1">
-                    <a:tint val="75000"/>
-                  </a:schemeClr>
-                </a:solidFill>
-              </a:defRPr>
-            </a:lvl9pPr>
-            <a:extLst/>
-          </a:lstStyle>
-          <a:p>
-            <a:r>
-              <a:rPr kumimoji="0" lang="es-ES" smtClean="0"/>
-              <a:t>Haga clic para modificar el estilo de subtítulo del patrón</a:t>
-            </a:r>
-            <a:endParaRPr kumimoji="0" lang="en-US"/>
-          </a:p>
-        </p:txBody>
-      </p:sp>
-      <p:sp>
-        <p:nvSpPr>
-          <p:cNvPr id="4" name="3 Marcador de fecha"/>
-          <p:cNvSpPr>
-            <a:spLocks noGrp="1"/>
-          </p:cNvSpPr>
-          <p:nvPr>
-            <p:ph type="dt" sz="half" idx="10"/>
-          </p:nvPr>
-        </p:nvSpPr>
-        <p:spPr/>
-        <p:txBody>
-          <a:bodyPr/>
-          <a:lstStyle/>
-          <a:p>
-            <a:fld id="{7676B861-67C7-495F-958C-3B13271A0771}" type="datetimeFigureOut">
-              <a:rPr lang="es-PE" smtClean="0"/>
-              <a:t>20/05/2011</a:t>
-            </a:fld>
-            <a:endParaRPr lang="es-PE"/>
-          </a:p>
-        </p:txBody>
-      </p:sp>
-      <p:sp>
-        <p:nvSpPr>
-          <p:cNvPr id="5" name="4 Marcador de pie de página"/>
-          <p:cNvSpPr>
-            <a:spLocks noGrp="1"/>
-          </p:cNvSpPr>
-          <p:nvPr>
-            <p:ph type="ftr" sz="quarter" idx="11"/>
-          </p:nvPr>
-        </p:nvSpPr>
-        <p:spPr/>
-        <p:txBody>
-          <a:bodyPr/>
-          <a:lstStyle/>
-          <a:p>
-            <a:endParaRPr lang="es-PE"/>
-          </a:p>
-        </p:txBody>
-      </p:sp>
-      <p:sp>
-        <p:nvSpPr>
-          <p:cNvPr id="6" name="5 Marcador de número de diapositiva"/>
-          <p:cNvSpPr>
-            <a:spLocks noGrp="1"/>
-          </p:cNvSpPr>
-          <p:nvPr>
-            <p:ph type="sldNum" sz="quarter" idx="12"/>
-          </p:nvPr>
-        </p:nvSpPr>
-        <p:spPr/>
-        <p:txBody>
-          <a:bodyPr/>
-          <a:lstStyle/>
-          <a:p>
-            <a:fld id="{CBD21332-99BB-4B68-9663-82F8D110D43B}" type="slidenum">
-              <a:rPr lang="es-PE" smtClean="0"/>
-              <a:t>‹Nº›</a:t>
-            </a:fld>
-            <a:endParaRPr lang="es-PE"/>
-          </a:p>
-        </p:txBody>
-      </p:sp>
-      <p:sp>
-        <p:nvSpPr>
-          <p:cNvPr id="10" name="9 Rectángulo"/>
-          <p:cNvSpPr/>
-          <p:nvPr/>
-        </p:nvSpPr>
-        <p:spPr bwMode="invGray">
-          <a:xfrm>
-            <a:off x="0" y="5128334"/>
-            <a:ext cx="9144000" cy="45720"/>
-          </a:xfrm>
-          <a:prstGeom prst="rect">
-            <a:avLst/>
+          <a:prstGeom prst="roundRect">
+            <a:avLst>
+              <a:gd name="adj" fmla="val 4578"/>
+            </a:avLst>
           </a:prstGeom>
-          <a:solidFill>
-            <a:srgbClr val="FFFFFF"/>
-          </a:solidFill>
-          <a:ln w="48000" cap="flat" cmpd="thickThin" algn="ctr">
+          <a:gradFill rotWithShape="1">
+            <a:gsLst>
+              <a:gs pos="0">
+                <a:schemeClr val="bg1">
+                  <a:tint val="75000"/>
+                  <a:satMod val="150000"/>
+                </a:schemeClr>
+              </a:gs>
+              <a:gs pos="55000">
+                <a:schemeClr val="bg1">
+                  <a:shade val="75000"/>
+                  <a:satMod val="100000"/>
+                </a:schemeClr>
+              </a:gs>
+              <a:gs pos="100000">
+                <a:schemeClr val="bg1">
+                  <a:shade val="35000"/>
+                  <a:satMod val="100000"/>
+                </a:schemeClr>
+              </a:gs>
+            </a:gsLst>
+            <a:path path="circle">
+              <a:fillToRect l="50000" t="175000" r="50000" b="-75000"/>
+            </a:path>
+          </a:gradFill>
+          <a:ln w="8890" cap="rnd" cmpd="sng" algn="ctr">
             <a:noFill/>
             <a:prstDash val="solid"/>
           </a:ln>
-          <a:effectLst>
-            <a:outerShdw blurRad="31750" dist="10160" dir="5400000" algn="tl" rotWithShape="0">
-              <a:srgbClr val="000000">
-                <a:alpha val="60000"/>
-              </a:srgbClr>
-            </a:outerShdw>
-          </a:effectLst>
+          <a:effectLst/>
         </p:spPr>
         <p:style>
-          <a:lnRef idx="2">
-            <a:schemeClr val="accent1"/>
+          <a:lnRef idx="3">
+            <a:schemeClr val="lt1"/>
           </a:lnRef>
           <a:fillRef idx="1">
             <a:schemeClr val="accent1"/>
           </a:fillRef>
-          <a:effectRef idx="0">
+          <a:effectRef idx="1">
             <a:schemeClr val="accent1"/>
           </a:effectRef>
           <a:fontRef idx="minor">
@@ -453,20 +276,207 @@
           </a:fontRef>
         </p:style>
         <p:txBody>
-          <a:bodyPr rtlCol="0" anchor="ctr"/>
+          <a:bodyPr anchor="ctr"/>
           <a:lstStyle>
             <a:extLst/>
           </a:lstStyle>
           <a:p>
             <a:pPr algn="ctr" eaLnBrk="1" latinLnBrk="0" hangingPunct="1"/>
             <a:endParaRPr kumimoji="0" lang="en-US"/>
+          </a:p>
+        </p:txBody>
+      </p:sp>
+      <p:sp>
+        <p:nvSpPr>
+          <p:cNvPr id="5" name="4 Título"/>
+          <p:cNvSpPr>
+            <a:spLocks noGrp="1"/>
+          </p:cNvSpPr>
+          <p:nvPr>
+            <p:ph type="ctrTitle"/>
+          </p:nvPr>
+        </p:nvSpPr>
+        <p:spPr>
+          <a:xfrm>
+            <a:off x="722376" y="1820206"/>
+            <a:ext cx="7772400" cy="1828800"/>
+          </a:xfrm>
+        </p:spPr>
+        <p:txBody>
+          <a:bodyPr lIns="45720" rIns="45720" bIns="45720"/>
+          <a:lstStyle>
+            <a:lvl1pPr algn="r">
+              <a:defRPr sz="4500" b="1">
+                <a:solidFill>
+                  <a:schemeClr val="accent1">
+                    <a:tint val="88000"/>
+                    <a:satMod val="150000"/>
+                  </a:schemeClr>
+                </a:solidFill>
+                <a:effectLst>
+                  <a:outerShdw blurRad="53975" dist="22860" dir="5400000" algn="tl" rotWithShape="0">
+                    <a:srgbClr val="000000">
+                      <a:alpha val="55000"/>
+                    </a:srgbClr>
+                  </a:outerShdw>
+                </a:effectLst>
+              </a:defRPr>
+            </a:lvl1pPr>
+            <a:extLst/>
+          </a:lstStyle>
+          <a:p>
+            <a:r>
+              <a:rPr kumimoji="0" lang="es-ES" smtClean="0"/>
+              <a:t>Haga clic para modificar el estilo de título del patrón</a:t>
+            </a:r>
+            <a:endParaRPr kumimoji="0" lang="en-US"/>
+          </a:p>
+        </p:txBody>
+      </p:sp>
+      <p:sp>
+        <p:nvSpPr>
+          <p:cNvPr id="20" name="19 Subtítulo"/>
+          <p:cNvSpPr>
+            <a:spLocks noGrp="1"/>
+          </p:cNvSpPr>
+          <p:nvPr>
+            <p:ph type="subTitle" idx="1"/>
+          </p:nvPr>
+        </p:nvSpPr>
+        <p:spPr>
+          <a:xfrm>
+            <a:off x="722376" y="3685032"/>
+            <a:ext cx="7772400" cy="914400"/>
+          </a:xfrm>
+        </p:spPr>
+        <p:txBody>
+          <a:bodyPr lIns="182880" tIns="0"/>
+          <a:lstStyle>
+            <a:lvl1pPr marL="36576" indent="0" algn="r">
+              <a:spcBef>
+                <a:spcPts val="0"/>
+              </a:spcBef>
+              <a:buNone/>
+              <a:defRPr sz="2000">
+                <a:solidFill>
+                  <a:schemeClr val="bg2">
+                    <a:shade val="25000"/>
+                  </a:schemeClr>
+                </a:solidFill>
+              </a:defRPr>
+            </a:lvl1pPr>
+            <a:lvl2pPr marL="457200" indent="0" algn="ctr">
+              <a:buNone/>
+            </a:lvl2pPr>
+            <a:lvl3pPr marL="914400" indent="0" algn="ctr">
+              <a:buNone/>
+            </a:lvl3pPr>
+            <a:lvl4pPr marL="1371600" indent="0" algn="ctr">
+              <a:buNone/>
+            </a:lvl4pPr>
+            <a:lvl5pPr marL="1828800" indent="0" algn="ctr">
+              <a:buNone/>
+            </a:lvl5pPr>
+            <a:lvl6pPr marL="2286000" indent="0" algn="ctr">
+              <a:buNone/>
+            </a:lvl6pPr>
+            <a:lvl7pPr marL="2743200" indent="0" algn="ctr">
+              <a:buNone/>
+            </a:lvl7pPr>
+            <a:lvl8pPr marL="3200400" indent="0" algn="ctr">
+              <a:buNone/>
+            </a:lvl8pPr>
+            <a:lvl9pPr marL="3657600" indent="0" algn="ctr">
+              <a:buNone/>
+            </a:lvl9pPr>
+            <a:extLst/>
+          </a:lstStyle>
+          <a:p>
+            <a:r>
+              <a:rPr kumimoji="0" lang="es-ES" smtClean="0"/>
+              <a:t>Haga clic para modificar el estilo de subtítulo del patrón</a:t>
+            </a:r>
+            <a:endParaRPr kumimoji="0" lang="en-US"/>
+          </a:p>
+        </p:txBody>
+      </p:sp>
+      <p:sp>
+        <p:nvSpPr>
+          <p:cNvPr id="19" name="18 Marcador de fecha"/>
+          <p:cNvSpPr>
+            <a:spLocks noGrp="1"/>
+          </p:cNvSpPr>
+          <p:nvPr>
+            <p:ph type="dt" sz="half" idx="10"/>
+          </p:nvPr>
+        </p:nvSpPr>
+        <p:spPr/>
+        <p:txBody>
+          <a:bodyPr/>
+          <a:lstStyle>
+            <a:extLst/>
+          </a:lstStyle>
+          <a:p>
+            <a:fld id="{7676B861-67C7-495F-958C-3B13271A0771}" type="datetimeFigureOut">
+              <a:rPr lang="es-PE" smtClean="0"/>
+              <a:pPr/>
+              <a:t>20/05/2011</a:t>
+            </a:fld>
+            <a:endParaRPr lang="es-PE"/>
+          </a:p>
+        </p:txBody>
+      </p:sp>
+      <p:sp>
+        <p:nvSpPr>
+          <p:cNvPr id="8" name="7 Marcador de pie de página"/>
+          <p:cNvSpPr>
+            <a:spLocks noGrp="1"/>
+          </p:cNvSpPr>
+          <p:nvPr>
+            <p:ph type="ftr" sz="quarter" idx="11"/>
+          </p:nvPr>
+        </p:nvSpPr>
+        <p:spPr/>
+        <p:txBody>
+          <a:bodyPr/>
+          <a:lstStyle>
+            <a:extLst/>
+          </a:lstStyle>
+          <a:p>
+            <a:endParaRPr lang="es-PE"/>
+          </a:p>
+        </p:txBody>
+      </p:sp>
+      <p:sp>
+        <p:nvSpPr>
+          <p:cNvPr id="11" name="10 Marcador de número de diapositiva"/>
+          <p:cNvSpPr>
+            <a:spLocks noGrp="1"/>
+          </p:cNvSpPr>
+          <p:nvPr>
+            <p:ph type="sldNum" sz="quarter" idx="12"/>
+          </p:nvPr>
+        </p:nvSpPr>
+        <p:spPr/>
+        <p:txBody>
+          <a:bodyPr/>
+          <a:lstStyle>
+            <a:extLst/>
+          </a:lstStyle>
+          <a:p>
+            <a:fld id="{CBD21332-99BB-4B68-9663-82F8D110D43B}" type="slidenum">
+              <a:rPr lang="es-PE" smtClean="0"/>
+              <a:pPr/>
+              <a:t>‹Nº›</a:t>
+            </a:fld>
+            <a:endParaRPr lang="es-PE"/>
           </a:p>
         </p:txBody>
       </p:sp>
     </p:spTree>
   </p:cSld>
   <p:clrMapOvr>
-    <a:overrideClrMapping bg1="dk1" tx1="lt1" bg2="dk2" tx2="lt2" accent1="accent1" accent2="accent2" accent3="accent3" accent4="accent4" accent5="accent5" accent6="accent6" hlink="hlink" folHlink="folHlink"/>
+    <a:masterClrMapping/>
   </p:clrMapOvr>
 </p:sldLayout>
 </file>
@@ -498,7 +508,12 @@
             <p:ph type="title"/>
           </p:nvPr>
         </p:nvSpPr>
-        <p:spPr/>
+        <p:spPr>
+          <a:xfrm>
+            <a:off x="502920" y="4983480"/>
+            <a:ext cx="8183880" cy="1051560"/>
+          </a:xfrm>
+        </p:spPr>
         <p:txBody>
           <a:bodyPr/>
           <a:lstStyle>
@@ -523,7 +538,12 @@
             <p:ph type="body" orient="vert" idx="1"/>
           </p:nvPr>
         </p:nvSpPr>
-        <p:spPr/>
+        <p:spPr>
+          <a:xfrm>
+            <a:off x="502920" y="530352"/>
+            <a:ext cx="8183880" cy="4187952"/>
+          </a:xfrm>
+        </p:spPr>
         <p:txBody>
           <a:bodyPr vert="eaVert"/>
           <a:lstStyle>
@@ -580,10 +600,13 @@
         <p:spPr/>
         <p:txBody>
           <a:bodyPr/>
-          <a:lstStyle/>
+          <a:lstStyle>
+            <a:extLst/>
+          </a:lstStyle>
           <a:p>
             <a:fld id="{7676B861-67C7-495F-958C-3B13271A0771}" type="datetimeFigureOut">
               <a:rPr lang="es-PE" smtClean="0"/>
+              <a:pPr/>
               <a:t>20/05/2011</a:t>
             </a:fld>
             <a:endParaRPr lang="es-PE"/>
@@ -603,7 +626,9 @@
         <p:spPr/>
         <p:txBody>
           <a:bodyPr/>
-          <a:lstStyle/>
+          <a:lstStyle>
+            <a:extLst/>
+          </a:lstStyle>
           <a:p>
             <a:endParaRPr lang="es-PE"/>
           </a:p>
@@ -622,10 +647,13 @@
         <p:spPr/>
         <p:txBody>
           <a:bodyPr/>
-          <a:lstStyle/>
+          <a:lstStyle>
+            <a:extLst/>
+          </a:lstStyle>
           <a:p>
             <a:fld id="{CBD21332-99BB-4B68-9663-82F8D110D43B}" type="slidenum">
               <a:rPr lang="es-PE" smtClean="0"/>
+              <a:pPr/>
               <a:t>‹Nº›</a:t>
             </a:fld>
             <a:endParaRPr lang="es-PE"/>
@@ -641,7 +669,7 @@
 </file>
 
 <file path=ppt/slideLayouts/slideLayout11.xml><?xml version="1.0" encoding="utf-8"?>
-<p:sldLayout xmlns:a="http://schemas.openxmlformats.org/drawingml/2006/main" xmlns:r="http://schemas.openxmlformats.org/officeDocument/2006/relationships" xmlns:p="http://schemas.openxmlformats.org/presentationml/2006/main" showMasterSp="0" type="vertTitleAndTx" preserve="1">
+<p:sldLayout xmlns:a="http://schemas.openxmlformats.org/drawingml/2006/main" xmlns:r="http://schemas.openxmlformats.org/officeDocument/2006/relationships" xmlns:p="http://schemas.openxmlformats.org/presentationml/2006/main" type="vertTitleAndTx" preserve="1">
   <p:cSld name="Título vertical y texto">
     <p:spTree>
       <p:nvGrpSpPr>
@@ -659,107 +687,6 @@
       </p:grpSpPr>
       <p:sp>
         <p:nvSpPr>
-          <p:cNvPr id="9" name="8 Rectángulo"/>
-          <p:cNvSpPr/>
-          <p:nvPr/>
-        </p:nvSpPr>
-        <p:spPr bwMode="invGray">
-          <a:xfrm>
-            <a:off x="6598920" y="0"/>
-            <a:ext cx="45720" cy="6858000"/>
-          </a:xfrm>
-          <a:prstGeom prst="rect">
-            <a:avLst/>
-          </a:prstGeom>
-          <a:solidFill>
-            <a:srgbClr val="FFFFFF"/>
-          </a:solidFill>
-          <a:ln w="48000" cap="flat" cmpd="thickThin" algn="ctr">
-            <a:noFill/>
-            <a:prstDash val="solid"/>
-          </a:ln>
-          <a:effectLst>
-            <a:outerShdw blurRad="31750" dist="10160" dir="10800000" algn="tl" rotWithShape="0">
-              <a:srgbClr val="000000">
-                <a:alpha val="60000"/>
-              </a:srgbClr>
-            </a:outerShdw>
-          </a:effectLst>
-        </p:spPr>
-        <p:style>
-          <a:lnRef idx="2">
-            <a:schemeClr val="accent1"/>
-          </a:lnRef>
-          <a:fillRef idx="1">
-            <a:schemeClr val="accent1"/>
-          </a:fillRef>
-          <a:effectRef idx="0">
-            <a:schemeClr val="accent1"/>
-          </a:effectRef>
-          <a:fontRef idx="minor">
-            <a:schemeClr val="lt1"/>
-          </a:fontRef>
-        </p:style>
-        <p:txBody>
-          <a:bodyPr rtlCol="0" anchor="ctr"/>
-          <a:lstStyle>
-            <a:extLst/>
-          </a:lstStyle>
-          <a:p>
-            <a:pPr algn="ctr" eaLnBrk="1" latinLnBrk="0" hangingPunct="1"/>
-            <a:endParaRPr kumimoji="0" lang="en-US"/>
-          </a:p>
-        </p:txBody>
-      </p:sp>
-      <p:sp>
-        <p:nvSpPr>
-          <p:cNvPr id="8" name="7 Rectángulo"/>
-          <p:cNvSpPr/>
-          <p:nvPr/>
-        </p:nvSpPr>
-        <p:spPr bwMode="ltGray">
-          <a:xfrm>
-            <a:off x="6647687" y="0"/>
-            <a:ext cx="2514601" cy="6858000"/>
-          </a:xfrm>
-          <a:prstGeom prst="rect">
-            <a:avLst/>
-          </a:prstGeom>
-          <a:solidFill>
-            <a:srgbClr val="000000"/>
-          </a:solidFill>
-          <a:ln w="48000" cap="flat" cmpd="thickThin" algn="ctr">
-            <a:noFill/>
-            <a:prstDash val="solid"/>
-          </a:ln>
-        </p:spPr>
-        <p:style>
-          <a:lnRef idx="2">
-            <a:schemeClr val="accent1"/>
-          </a:lnRef>
-          <a:fillRef idx="1">
-            <a:schemeClr val="accent1"/>
-          </a:fillRef>
-          <a:effectRef idx="0">
-            <a:schemeClr val="accent1"/>
-          </a:effectRef>
-          <a:fontRef idx="minor">
-            <a:schemeClr val="lt1"/>
-          </a:fontRef>
-        </p:style>
-        <p:txBody>
-          <a:bodyPr rtlCol="0" anchor="ctr"/>
-          <a:lstStyle>
-            <a:extLst/>
-          </a:lstStyle>
-          <a:p>
-            <a:pPr algn="ctr" eaLnBrk="1" latinLnBrk="0" hangingPunct="1"/>
-            <a:endParaRPr kumimoji="0" lang="en-US"/>
-          </a:p>
-        </p:txBody>
-      </p:sp>
-      <p:sp>
-        <p:nvSpPr>
           <p:cNvPr id="2" name="1 Título vertical"/>
           <p:cNvSpPr>
             <a:spLocks noGrp="1"/>
@@ -770,8 +697,8 @@
         </p:nvSpPr>
         <p:spPr>
           <a:xfrm>
-            <a:off x="6781800" y="274640"/>
-            <a:ext cx="1905000" cy="5851525"/>
+            <a:off x="6629400" y="533404"/>
+            <a:ext cx="1981200" cy="5257799"/>
           </a:xfrm>
         </p:spPr>
         <p:txBody>
@@ -800,8 +727,8 @@
         </p:nvSpPr>
         <p:spPr>
           <a:xfrm>
-            <a:off x="457200" y="304800"/>
-            <a:ext cx="6019800" cy="5851525"/>
+            <a:off x="533400" y="533402"/>
+            <a:ext cx="5943600" cy="5257801"/>
           </a:xfrm>
         </p:spPr>
         <p:txBody>
@@ -860,10 +787,13 @@
         <p:spPr/>
         <p:txBody>
           <a:bodyPr/>
-          <a:lstStyle/>
+          <a:lstStyle>
+            <a:extLst/>
+          </a:lstStyle>
           <a:p>
             <a:fld id="{7676B861-67C7-495F-958C-3B13271A0771}" type="datetimeFigureOut">
               <a:rPr lang="es-PE" smtClean="0"/>
+              <a:pPr/>
               <a:t>20/05/2011</a:t>
             </a:fld>
             <a:endParaRPr lang="es-PE"/>
@@ -880,15 +810,12 @@
             <p:ph type="ftr" sz="quarter" idx="11"/>
           </p:nvPr>
         </p:nvSpPr>
-        <p:spPr>
-          <a:xfrm>
-            <a:off x="2640597" y="6377459"/>
-            <a:ext cx="3836404" cy="365125"/>
-          </a:xfrm>
-        </p:spPr>
-        <p:txBody>
-          <a:bodyPr/>
-          <a:lstStyle/>
+        <p:spPr/>
+        <p:txBody>
+          <a:bodyPr/>
+          <a:lstStyle>
+            <a:extLst/>
+          </a:lstStyle>
           <a:p>
             <a:endParaRPr lang="es-PE"/>
           </a:p>
@@ -907,10 +834,13 @@
         <p:spPr/>
         <p:txBody>
           <a:bodyPr/>
-          <a:lstStyle/>
+          <a:lstStyle>
+            <a:extLst/>
+          </a:lstStyle>
           <a:p>
             <a:fld id="{CBD21332-99BB-4B68-9663-82F8D110D43B}" type="slidenum">
               <a:rPr lang="es-PE" smtClean="0"/>
+              <a:pPr/>
               <a:t>‹Nº›</a:t>
             </a:fld>
             <a:endParaRPr lang="es-PE"/>
@@ -954,8 +884,8 @@
         </p:nvSpPr>
         <p:spPr>
           <a:xfrm>
-            <a:off x="457200" y="155448"/>
-            <a:ext cx="8229600" cy="1252728"/>
+            <a:off x="502920" y="4983480"/>
+            <a:ext cx="8183880" cy="1051560"/>
           </a:xfrm>
         </p:spPr>
         <p:txBody>
@@ -982,7 +912,12 @@
             <p:ph idx="1"/>
           </p:nvPr>
         </p:nvSpPr>
-        <p:spPr/>
+        <p:spPr>
+          <a:xfrm>
+            <a:off x="502920" y="530352"/>
+            <a:ext cx="8183880" cy="4187952"/>
+          </a:xfrm>
+        </p:spPr>
         <p:txBody>
           <a:bodyPr/>
           <a:lstStyle>
@@ -1039,10 +974,13 @@
         <p:spPr/>
         <p:txBody>
           <a:bodyPr/>
-          <a:lstStyle/>
+          <a:lstStyle>
+            <a:extLst/>
+          </a:lstStyle>
           <a:p>
             <a:fld id="{7676B861-67C7-495F-958C-3B13271A0771}" type="datetimeFigureOut">
               <a:rPr lang="es-PE" smtClean="0"/>
+              <a:pPr/>
               <a:t>20/05/2011</a:t>
             </a:fld>
             <a:endParaRPr lang="es-PE"/>
@@ -1062,7 +1000,9 @@
         <p:spPr/>
         <p:txBody>
           <a:bodyPr/>
-          <a:lstStyle/>
+          <a:lstStyle>
+            <a:extLst/>
+          </a:lstStyle>
           <a:p>
             <a:endParaRPr lang="es-PE"/>
           </a:p>
@@ -1081,10 +1021,13 @@
         <p:spPr/>
         <p:txBody>
           <a:bodyPr/>
-          <a:lstStyle/>
+          <a:lstStyle>
+            <a:extLst/>
+          </a:lstStyle>
           <a:p>
             <a:fld id="{CBD21332-99BB-4B68-9663-82F8D110D43B}" type="slidenum">
               <a:rPr lang="es-PE" smtClean="0"/>
+              <a:pPr/>
               <a:t>‹Nº›</a:t>
             </a:fld>
             <a:endParaRPr lang="es-PE"/>
@@ -1102,11 +1045,6 @@
 <file path=ppt/slideLayouts/slideLayout3.xml><?xml version="1.0" encoding="utf-8"?>
 <p:sldLayout xmlns:a="http://schemas.openxmlformats.org/drawingml/2006/main" xmlns:r="http://schemas.openxmlformats.org/officeDocument/2006/relationships" xmlns:p="http://schemas.openxmlformats.org/presentationml/2006/main" showMasterSp="0" type="secHead" preserve="1">
   <p:cSld name="Encabezado de sección">
-    <p:bg>
-      <p:bgRef idx="1002">
-        <a:schemeClr val="bg2"/>
-      </p:bgRef>
-    </p:bg>
     <p:spTree>
       <p:nvGrpSpPr>
         <p:cNvPr id="1" name=""/>
@@ -1123,34 +1061,71 @@
       </p:grpSpPr>
       <p:sp>
         <p:nvSpPr>
-          <p:cNvPr id="9" name="8 Rectángulo"/>
+          <p:cNvPr id="14" name="13 Rectángulo redondeado"/>
           <p:cNvSpPr/>
           <p:nvPr/>
         </p:nvSpPr>
-        <p:spPr bwMode="ltGray">
+        <p:spPr>
           <a:xfrm>
-            <a:off x="0" y="1"/>
-            <a:ext cx="9144000" cy="2602520"/>
+            <a:off x="304800" y="329184"/>
+            <a:ext cx="8532055" cy="6196819"/>
           </a:xfrm>
-          <a:prstGeom prst="rect">
-            <a:avLst/>
+          <a:prstGeom prst="roundRect">
+            <a:avLst>
+              <a:gd name="adj" fmla="val 2081"/>
+            </a:avLst>
           </a:prstGeom>
-          <a:solidFill>
-            <a:srgbClr val="000000"/>
-          </a:solidFill>
-          <a:ln w="48000" cap="flat" cmpd="thickThin" algn="ctr">
-            <a:noFill/>
+          <a:gradFill flip="none" rotWithShape="1">
+            <a:gsLst>
+              <a:gs pos="0">
+                <a:srgbClr val="FFFFFF">
+                  <a:shade val="100000"/>
+                </a:srgbClr>
+              </a:gs>
+              <a:gs pos="98000">
+                <a:srgbClr val="FFFFFF">
+                  <a:shade val="100000"/>
+                </a:srgbClr>
+              </a:gs>
+              <a:gs pos="99055">
+                <a:srgbClr val="FFFFFF">
+                  <a:shade val="93000"/>
+                </a:srgbClr>
+              </a:gs>
+              <a:gs pos="100000">
+                <a:srgbClr val="FFFFFF">
+                  <a:shade val="70000"/>
+                </a:srgbClr>
+              </a:gs>
+            </a:gsLst>
+            <a:lin ang="5400000" scaled="1"/>
+            <a:tileRect/>
+          </a:gradFill>
+          <a:ln w="2000" cap="rnd" cmpd="sng" algn="ctr">
+            <a:solidFill>
+              <a:srgbClr val="302F2C">
+                <a:tint val="65000"/>
+                <a:satMod val="120000"/>
+              </a:srgbClr>
+            </a:solidFill>
             <a:prstDash val="solid"/>
           </a:ln>
+          <a:effectLst>
+            <a:outerShdw blurRad="76200" dist="50800" dir="5400000" algn="tl" rotWithShape="0">
+              <a:srgbClr val="000000">
+                <a:alpha val="25000"/>
+              </a:srgbClr>
+            </a:outerShdw>
+          </a:effectLst>
         </p:spPr>
         <p:style>
-          <a:lnRef idx="2">
-            <a:schemeClr val="accent1"/>
+          <a:lnRef idx="3">
+            <a:schemeClr val="lt1"/>
           </a:lnRef>
           <a:fillRef idx="1">
             <a:schemeClr val="accent1"/>
           </a:fillRef>
-          <a:effectRef idx="0">
+          <a:effectRef idx="1">
             <a:schemeClr val="accent1"/>
           </a:effectRef>
           <a:fontRef idx="minor">
@@ -1158,7 +1133,7 @@
           </a:fontRef>
         </p:style>
         <p:txBody>
-          <a:bodyPr rtlCol="0" anchor="ctr"/>
+          <a:bodyPr anchor="ctr"/>
           <a:lstStyle>
             <a:extLst/>
           </a:lstStyle>
@@ -1170,41 +1145,59 @@
       </p:sp>
       <p:sp>
         <p:nvSpPr>
-          <p:cNvPr id="12" name="11 Rectángulo"/>
+          <p:cNvPr id="11" name="10 Rectángulo redondeado"/>
           <p:cNvSpPr/>
           <p:nvPr/>
         </p:nvSpPr>
-        <p:spPr bwMode="invGray">
+        <p:spPr>
           <a:xfrm>
-            <a:off x="0" y="2602520"/>
-            <a:ext cx="9144000" cy="45720"/>
+            <a:off x="418596" y="434162"/>
+            <a:ext cx="8306809" cy="4341329"/>
           </a:xfrm>
-          <a:prstGeom prst="rect">
-            <a:avLst/>
+          <a:prstGeom prst="roundRect">
+            <a:avLst>
+              <a:gd name="adj" fmla="val 2127"/>
+            </a:avLst>
           </a:prstGeom>
-          <a:solidFill>
-            <a:srgbClr val="FFFFFF"/>
-          </a:solidFill>
-          <a:ln w="48000" cap="flat" cmpd="thickThin" algn="ctr">
+          <a:gradFill rotWithShape="1">
+            <a:gsLst>
+              <a:gs pos="0">
+                <a:schemeClr val="bg1">
+                  <a:tint val="75000"/>
+                  <a:satMod val="150000"/>
+                </a:schemeClr>
+              </a:gs>
+              <a:gs pos="55000">
+                <a:schemeClr val="bg1">
+                  <a:shade val="75000"/>
+                  <a:satMod val="100000"/>
+                </a:schemeClr>
+              </a:gs>
+              <a:gs pos="100000">
+                <a:schemeClr val="bg1">
+                  <a:shade val="35000"/>
+                  <a:satMod val="100000"/>
+                </a:schemeClr>
+              </a:gs>
+            </a:gsLst>
+            <a:path path="circle">
+              <a:fillToRect l="50000" t="175000" r="50000" b="-75000"/>
+            </a:path>
+          </a:gradFill>
+          <a:ln w="8890" cap="rnd" cmpd="sng" algn="ctr">
             <a:noFill/>
             <a:prstDash val="solid"/>
           </a:ln>
-          <a:effectLst>
-            <a:outerShdw blurRad="31750" dist="10160" dir="5400000" algn="tl" rotWithShape="0">
-              <a:srgbClr val="000000">
-                <a:alpha val="60000"/>
-              </a:srgbClr>
-            </a:outerShdw>
-          </a:effectLst>
+          <a:effectLst/>
         </p:spPr>
         <p:style>
-          <a:lnRef idx="2">
-            <a:schemeClr val="accent1"/>
+          <a:lnRef idx="3">
+            <a:schemeClr val="lt1"/>
           </a:lnRef>
           <a:fillRef idx="1">
             <a:schemeClr val="accent1"/>
           </a:fillRef>
-          <a:effectRef idx="0">
+          <a:effectRef idx="1">
             <a:schemeClr val="accent1"/>
           </a:effectRef>
           <a:fontRef idx="minor">
@@ -1212,7 +1205,7 @@
           </a:fontRef>
         </p:style>
         <p:txBody>
-          <a:bodyPr rtlCol="0" anchor="ctr"/>
+          <a:bodyPr anchor="ctr"/>
           <a:lstStyle>
             <a:extLst/>
           </a:lstStyle>
@@ -1234,26 +1227,23 @@
         </p:nvSpPr>
         <p:spPr>
           <a:xfrm>
-            <a:off x="749808" y="118872"/>
-            <a:ext cx="8013192" cy="1636776"/>
+            <a:off x="468344" y="4928616"/>
+            <a:ext cx="8183880" cy="676656"/>
           </a:xfrm>
         </p:spPr>
         <p:txBody>
-          <a:bodyPr vert="horz" lIns="91440" tIns="0" rIns="91440" bIns="0" rtlCol="0" anchor="b">
-            <a:normAutofit/>
-            <a:scene3d>
-              <a:camera prst="orthographicFront"/>
-              <a:lightRig rig="threePt" dir="t">
-                <a:rot lat="0" lon="0" rev="4800000"/>
-              </a:lightRig>
-            </a:scene3d>
-            <a:sp3d prstMaterial="matte">
-              <a:bevelT w="50800" h="10160"/>
-            </a:sp3d>
-          </a:bodyPr>
+          <a:bodyPr lIns="91440" bIns="0" anchor="b"/>
           <a:lstStyle>
             <a:lvl1pPr algn="l">
-              <a:defRPr sz="4700" b="1" cap="none" baseline="0"/>
+              <a:buNone/>
+              <a:defRPr sz="3600" b="0" cap="none" baseline="0">
+                <a:solidFill>
+                  <a:schemeClr val="bg2">
+                    <a:shade val="25000"/>
+                  </a:schemeClr>
+                </a:solidFill>
+                <a:effectLst/>
+              </a:defRPr>
             </a:lvl1pPr>
             <a:extLst/>
           </a:lstStyle>
@@ -1278,22 +1268,32 @@
         </p:nvSpPr>
         <p:spPr>
           <a:xfrm>
-            <a:off x="740664" y="1828800"/>
-            <a:ext cx="8022336" cy="685800"/>
+            <a:off x="468344" y="5624484"/>
+            <a:ext cx="8183880" cy="420624"/>
           </a:xfrm>
         </p:spPr>
         <p:txBody>
-          <a:bodyPr lIns="146304" tIns="0" rIns="45720" bIns="0" anchor="t"/>
-          <a:lstStyle>
-            <a:lvl1pPr marL="0" indent="0">
+          <a:bodyPr lIns="118872" tIns="0" anchor="t"/>
+          <a:lstStyle>
+            <a:lvl1pPr marL="0" marR="36576" indent="0" algn="l">
+              <a:spcBef>
+                <a:spcPts val="0"/>
+              </a:spcBef>
+              <a:spcAft>
+                <a:spcPts val="0"/>
+              </a:spcAft>
               <a:buNone/>
-              <a:defRPr sz="2000">
+              <a:defRPr sz="1800" b="0">
                 <a:solidFill>
-                  <a:srgbClr val="FFFFFF"/>
+                  <a:schemeClr val="accent1">
+                    <a:shade val="50000"/>
+                    <a:satMod val="110000"/>
+                  </a:schemeClr>
                 </a:solidFill>
+                <a:effectLst/>
               </a:defRPr>
             </a:lvl1pPr>
-            <a:lvl2pPr marL="457200" indent="0">
+            <a:lvl2pPr>
               <a:buNone/>
               <a:defRPr sz="1800">
                 <a:solidFill>
@@ -1303,7 +1303,7 @@
                 </a:solidFill>
               </a:defRPr>
             </a:lvl2pPr>
-            <a:lvl3pPr marL="914400" indent="0">
+            <a:lvl3pPr>
               <a:buNone/>
               <a:defRPr sz="1600">
                 <a:solidFill>
@@ -1313,7 +1313,7 @@
                 </a:solidFill>
               </a:defRPr>
             </a:lvl3pPr>
-            <a:lvl4pPr marL="1371600" indent="0">
+            <a:lvl4pPr>
               <a:buNone/>
               <a:defRPr sz="1400">
                 <a:solidFill>
@@ -1323,7 +1323,7 @@
                 </a:solidFill>
               </a:defRPr>
             </a:lvl4pPr>
-            <a:lvl5pPr marL="1828800" indent="0">
+            <a:lvl5pPr>
               <a:buNone/>
               <a:defRPr sz="1400">
                 <a:solidFill>
@@ -1333,46 +1333,6 @@
                 </a:solidFill>
               </a:defRPr>
             </a:lvl5pPr>
-            <a:lvl6pPr marL="2286000" indent="0">
-              <a:buNone/>
-              <a:defRPr sz="1400">
-                <a:solidFill>
-                  <a:schemeClr val="tx1">
-                    <a:tint val="75000"/>
-                  </a:schemeClr>
-                </a:solidFill>
-              </a:defRPr>
-            </a:lvl6pPr>
-            <a:lvl7pPr marL="2743200" indent="0">
-              <a:buNone/>
-              <a:defRPr sz="1400">
-                <a:solidFill>
-                  <a:schemeClr val="tx1">
-                    <a:tint val="75000"/>
-                  </a:schemeClr>
-                </a:solidFill>
-              </a:defRPr>
-            </a:lvl7pPr>
-            <a:lvl8pPr marL="3200400" indent="0">
-              <a:buNone/>
-              <a:defRPr sz="1400">
-                <a:solidFill>
-                  <a:schemeClr val="tx1">
-                    <a:tint val="75000"/>
-                  </a:schemeClr>
-                </a:solidFill>
-              </a:defRPr>
-            </a:lvl8pPr>
-            <a:lvl9pPr marL="3657600" indent="0">
-              <a:buNone/>
-              <a:defRPr sz="1400">
-                <a:solidFill>
-                  <a:schemeClr val="tx1">
-                    <a:tint val="75000"/>
-                  </a:schemeClr>
-                </a:solidFill>
-              </a:defRPr>
-            </a:lvl9pPr>
             <a:extLst/>
           </a:lstStyle>
           <a:p>
@@ -1397,10 +1357,13 @@
         <p:spPr/>
         <p:txBody>
           <a:bodyPr/>
-          <a:lstStyle/>
+          <a:lstStyle>
+            <a:extLst/>
+          </a:lstStyle>
           <a:p>
             <a:fld id="{7676B861-67C7-495F-958C-3B13271A0771}" type="datetimeFigureOut">
               <a:rPr lang="es-PE" smtClean="0"/>
+              <a:pPr/>
               <a:t>20/05/2011</a:t>
             </a:fld>
             <a:endParaRPr lang="es-PE"/>
@@ -1420,7 +1383,9 @@
         <p:spPr/>
         <p:txBody>
           <a:bodyPr/>
-          <a:lstStyle/>
+          <a:lstStyle>
+            <a:extLst/>
+          </a:lstStyle>
           <a:p>
             <a:endParaRPr lang="es-PE"/>
           </a:p>
@@ -1439,10 +1404,13 @@
         <p:spPr/>
         <p:txBody>
           <a:bodyPr/>
-          <a:lstStyle/>
+          <a:lstStyle>
+            <a:extLst/>
+          </a:lstStyle>
           <a:p>
             <a:fld id="{CBD21332-99BB-4B68-9663-82F8D110D43B}" type="slidenum">
               <a:rPr lang="es-PE" smtClean="0"/>
+              <a:pPr/>
               <a:t>‹Nº›</a:t>
             </a:fld>
             <a:endParaRPr lang="es-PE"/>
@@ -1452,7 +1420,7 @@
     </p:spTree>
   </p:cSld>
   <p:clrMapOvr>
-    <a:overrideClrMapping bg1="dk1" tx1="lt1" bg2="dk2" tx2="lt2" accent1="accent1" accent2="accent2" accent3="accent3" accent4="accent4" accent5="accent5" accent6="accent6" hlink="hlink" folHlink="folHlink"/>
+    <a:masterClrMapping/>
   </p:clrMapOvr>
 </p:sldLayout>
 </file>
@@ -1511,18 +1479,18 @@
         </p:nvSpPr>
         <p:spPr>
           <a:xfrm>
-            <a:off x="457200" y="1773936"/>
-            <a:ext cx="4038600" cy="4623816"/>
+            <a:off x="514352" y="530352"/>
+            <a:ext cx="3931920" cy="4389120"/>
           </a:xfrm>
         </p:spPr>
         <p:txBody>
-          <a:bodyPr lIns="91440"/>
+          <a:bodyPr/>
           <a:lstStyle>
             <a:lvl1pPr>
-              <a:defRPr sz="2800"/>
+              <a:defRPr sz="2600"/>
             </a:lvl1pPr>
             <a:lvl2pPr>
-              <a:defRPr sz="2400"/>
+              <a:defRPr sz="2200"/>
             </a:lvl2pPr>
             <a:lvl3pPr>
               <a:defRPr sz="2000"/>
@@ -1533,18 +1501,6 @@
             <a:lvl5pPr>
               <a:defRPr sz="1800"/>
             </a:lvl5pPr>
-            <a:lvl6pPr>
-              <a:defRPr sz="1800"/>
-            </a:lvl6pPr>
-            <a:lvl7pPr>
-              <a:defRPr sz="1800"/>
-            </a:lvl7pPr>
-            <a:lvl8pPr>
-              <a:defRPr sz="1800"/>
-            </a:lvl8pPr>
-            <a:lvl9pPr>
-              <a:defRPr sz="1800"/>
-            </a:lvl9pPr>
             <a:extLst/>
           </a:lstStyle>
           <a:p>
@@ -1597,18 +1553,18 @@
         </p:nvSpPr>
         <p:spPr>
           <a:xfrm>
-            <a:off x="4648200" y="1773936"/>
-            <a:ext cx="4038600" cy="4623816"/>
+            <a:off x="4755360" y="530352"/>
+            <a:ext cx="3931920" cy="4389120"/>
           </a:xfrm>
         </p:spPr>
         <p:txBody>
           <a:bodyPr/>
           <a:lstStyle>
             <a:lvl1pPr>
-              <a:defRPr sz="2800"/>
+              <a:defRPr sz="2600"/>
             </a:lvl1pPr>
             <a:lvl2pPr>
-              <a:defRPr sz="2400"/>
+              <a:defRPr sz="2200"/>
             </a:lvl2pPr>
             <a:lvl3pPr>
               <a:defRPr sz="2000"/>
@@ -1619,18 +1575,6 @@
             <a:lvl5pPr>
               <a:defRPr sz="1800"/>
             </a:lvl5pPr>
-            <a:lvl6pPr>
-              <a:defRPr sz="1800"/>
-            </a:lvl6pPr>
-            <a:lvl7pPr>
-              <a:defRPr sz="1800"/>
-            </a:lvl7pPr>
-            <a:lvl8pPr>
-              <a:defRPr sz="1800"/>
-            </a:lvl8pPr>
-            <a:lvl9pPr>
-              <a:defRPr sz="1800"/>
-            </a:lvl9pPr>
             <a:extLst/>
           </a:lstStyle>
           <a:p>
@@ -1684,10 +1628,13 @@
         <p:spPr/>
         <p:txBody>
           <a:bodyPr/>
-          <a:lstStyle/>
+          <a:lstStyle>
+            <a:extLst/>
+          </a:lstStyle>
           <a:p>
             <a:fld id="{7676B861-67C7-495F-958C-3B13271A0771}" type="datetimeFigureOut">
               <a:rPr lang="es-PE" smtClean="0"/>
+              <a:pPr/>
               <a:t>20/05/2011</a:t>
             </a:fld>
             <a:endParaRPr lang="es-PE"/>
@@ -1707,7 +1654,9 @@
         <p:spPr/>
         <p:txBody>
           <a:bodyPr/>
-          <a:lstStyle/>
+          <a:lstStyle>
+            <a:extLst/>
+          </a:lstStyle>
           <a:p>
             <a:endParaRPr lang="es-PE"/>
           </a:p>
@@ -1726,10 +1675,13 @@
         <p:spPr/>
         <p:txBody>
           <a:bodyPr/>
-          <a:lstStyle/>
+          <a:lstStyle>
+            <a:extLst/>
+          </a:lstStyle>
           <a:p>
             <a:fld id="{CBD21332-99BB-4B68-9663-82F8D110D43B}" type="slidenum">
               <a:rPr lang="es-PE" smtClean="0"/>
+              <a:pPr/>
               <a:t>‹Nº›</a:t>
             </a:fld>
             <a:endParaRPr lang="es-PE"/>
@@ -1771,12 +1723,17 @@
             <p:ph type="title"/>
           </p:nvPr>
         </p:nvSpPr>
-        <p:spPr/>
-        <p:txBody>
-          <a:bodyPr/>
+        <p:spPr>
+          <a:xfrm>
+            <a:off x="502920" y="4983480"/>
+            <a:ext cx="8183880" cy="1051560"/>
+          </a:xfrm>
+        </p:spPr>
+        <p:txBody>
+          <a:bodyPr anchor="b"/>
           <a:lstStyle>
             <a:lvl1pPr>
-              <a:defRPr/>
+              <a:defRPr b="1"/>
             </a:lvl1pPr>
             <a:extLst/>
           </a:lstStyle>
@@ -1801,49 +1758,37 @@
         </p:nvSpPr>
         <p:spPr>
           <a:xfrm>
-            <a:off x="457200" y="1698987"/>
-            <a:ext cx="4040188" cy="715355"/>
+            <a:off x="607224" y="579438"/>
+            <a:ext cx="3931920" cy="792162"/>
           </a:xfrm>
         </p:spPr>
         <p:txBody>
           <a:bodyPr lIns="146304" anchor="ctr"/>
           <a:lstStyle>
-            <a:lvl1pPr marL="0" indent="0">
+            <a:lvl1pPr marL="0" indent="0" algn="l">
               <a:buNone/>
-              <a:defRPr sz="2300" b="1" cap="all" baseline="0"/>
+              <a:defRPr sz="2400" b="1">
+                <a:solidFill>
+                  <a:schemeClr val="tx1"/>
+                </a:solidFill>
+              </a:defRPr>
             </a:lvl1pPr>
-            <a:lvl2pPr marL="457200" indent="0">
+            <a:lvl2pPr>
               <a:buNone/>
               <a:defRPr sz="2000" b="1"/>
             </a:lvl2pPr>
-            <a:lvl3pPr marL="914400" indent="0">
+            <a:lvl3pPr>
               <a:buNone/>
               <a:defRPr sz="1800" b="1"/>
             </a:lvl3pPr>
-            <a:lvl4pPr marL="1371600" indent="0">
+            <a:lvl4pPr>
               <a:buNone/>
               <a:defRPr sz="1600" b="1"/>
             </a:lvl4pPr>
-            <a:lvl5pPr marL="1828800" indent="0">
+            <a:lvl5pPr>
               <a:buNone/>
               <a:defRPr sz="1600" b="1"/>
             </a:lvl5pPr>
-            <a:lvl6pPr marL="2286000" indent="0">
-              <a:buNone/>
-              <a:defRPr sz="1600" b="1"/>
-            </a:lvl6pPr>
-            <a:lvl7pPr marL="2743200" indent="0">
-              <a:buNone/>
-              <a:defRPr sz="1600" b="1"/>
-            </a:lvl7pPr>
-            <a:lvl8pPr marL="3200400" indent="0">
-              <a:buNone/>
-              <a:defRPr sz="1600" b="1"/>
-            </a:lvl8pPr>
-            <a:lvl9pPr marL="3657600" indent="0">
-              <a:buNone/>
-              <a:defRPr sz="1600" b="1"/>
-            </a:lvl9pPr>
             <a:extLst/>
           </a:lstStyle>
           <a:p>
@@ -1857,145 +1802,47 @@
       </p:sp>
       <p:sp>
         <p:nvSpPr>
-          <p:cNvPr id="4" name="3 Marcador de contenido"/>
-          <p:cNvSpPr>
-            <a:spLocks noGrp="1"/>
-          </p:cNvSpPr>
-          <p:nvPr>
-            <p:ph sz="half" idx="2"/>
+          <p:cNvPr id="4" name="3 Marcador de texto"/>
+          <p:cNvSpPr>
+            <a:spLocks noGrp="1"/>
+          </p:cNvSpPr>
+          <p:nvPr>
+            <p:ph type="body" sz="half" idx="3"/>
           </p:nvPr>
         </p:nvSpPr>
         <p:spPr>
           <a:xfrm>
-            <a:off x="457200" y="2449512"/>
-            <a:ext cx="4040188" cy="3951288"/>
+            <a:off x="4652169" y="579438"/>
+            <a:ext cx="3931920" cy="792162"/>
           </a:xfrm>
         </p:spPr>
         <p:txBody>
-          <a:bodyPr/>
-          <a:lstStyle>
-            <a:lvl1pPr>
-              <a:defRPr sz="2400"/>
+          <a:bodyPr lIns="137160" anchor="ctr"/>
+          <a:lstStyle>
+            <a:lvl1pPr marL="0" indent="0" algn="l">
+              <a:buNone/>
+              <a:defRPr sz="2400" b="1">
+                <a:solidFill>
+                  <a:schemeClr val="tx1"/>
+                </a:solidFill>
+              </a:defRPr>
             </a:lvl1pPr>
             <a:lvl2pPr>
-              <a:defRPr sz="2000"/>
-            </a:lvl2pPr>
-            <a:lvl3pPr>
-              <a:defRPr sz="1800"/>
-            </a:lvl3pPr>
-            <a:lvl4pPr>
-              <a:defRPr sz="1600"/>
-            </a:lvl4pPr>
-            <a:lvl5pPr>
-              <a:defRPr sz="1600"/>
-            </a:lvl5pPr>
-            <a:lvl6pPr>
-              <a:defRPr sz="1600"/>
-            </a:lvl6pPr>
-            <a:lvl7pPr>
-              <a:defRPr sz="1600"/>
-            </a:lvl7pPr>
-            <a:lvl8pPr>
-              <a:defRPr sz="1600"/>
-            </a:lvl8pPr>
-            <a:lvl9pPr>
-              <a:defRPr sz="1600"/>
-            </a:lvl9pPr>
-            <a:extLst/>
-          </a:lstStyle>
-          <a:p>
-            <a:pPr lvl="0" eaLnBrk="1" latinLnBrk="0" hangingPunct="1"/>
-            <a:r>
-              <a:rPr lang="es-ES" smtClean="0"/>
-              <a:t>Haga clic para modificar el estilo de texto del patrón</a:t>
-            </a:r>
-          </a:p>
-          <a:p>
-            <a:pPr lvl="1" eaLnBrk="1" latinLnBrk="0" hangingPunct="1"/>
-            <a:r>
-              <a:rPr lang="es-ES" smtClean="0"/>
-              <a:t>Segundo nivel</a:t>
-            </a:r>
-          </a:p>
-          <a:p>
-            <a:pPr lvl="2" eaLnBrk="1" latinLnBrk="0" hangingPunct="1"/>
-            <a:r>
-              <a:rPr lang="es-ES" smtClean="0"/>
-              <a:t>Tercer nivel</a:t>
-            </a:r>
-          </a:p>
-          <a:p>
-            <a:pPr lvl="3" eaLnBrk="1" latinLnBrk="0" hangingPunct="1"/>
-            <a:r>
-              <a:rPr lang="es-ES" smtClean="0"/>
-              <a:t>Cuarto nivel</a:t>
-            </a:r>
-          </a:p>
-          <a:p>
-            <a:pPr lvl="4" eaLnBrk="1" latinLnBrk="0" hangingPunct="1"/>
-            <a:r>
-              <a:rPr lang="es-ES" smtClean="0"/>
-              <a:t>Quinto nivel</a:t>
-            </a:r>
-            <a:endParaRPr kumimoji="0" lang="en-US"/>
-          </a:p>
-        </p:txBody>
-      </p:sp>
-      <p:sp>
-        <p:nvSpPr>
-          <p:cNvPr id="5" name="4 Marcador de texto"/>
-          <p:cNvSpPr>
-            <a:spLocks noGrp="1"/>
-          </p:cNvSpPr>
-          <p:nvPr>
-            <p:ph type="body" sz="quarter" idx="3"/>
-          </p:nvPr>
-        </p:nvSpPr>
-        <p:spPr>
-          <a:xfrm>
-            <a:off x="4645025" y="1698987"/>
-            <a:ext cx="4041775" cy="715355"/>
-          </a:xfrm>
-        </p:spPr>
-        <p:txBody>
-          <a:bodyPr lIns="146304" anchor="ctr"/>
-          <a:lstStyle>
-            <a:lvl1pPr marL="0" indent="0">
-              <a:buNone/>
-              <a:defRPr sz="2300" b="1" cap="all" baseline="0"/>
-            </a:lvl1pPr>
-            <a:lvl2pPr marL="457200" indent="0">
               <a:buNone/>
               <a:defRPr sz="2000" b="1"/>
             </a:lvl2pPr>
-            <a:lvl3pPr marL="914400" indent="0">
+            <a:lvl3pPr>
               <a:buNone/>
               <a:defRPr sz="1800" b="1"/>
             </a:lvl3pPr>
-            <a:lvl4pPr marL="1371600" indent="0">
+            <a:lvl4pPr>
               <a:buNone/>
               <a:defRPr sz="1600" b="1"/>
             </a:lvl4pPr>
-            <a:lvl5pPr marL="1828800" indent="0">
+            <a:lvl5pPr>
               <a:buNone/>
               <a:defRPr sz="1600" b="1"/>
             </a:lvl5pPr>
-            <a:lvl6pPr marL="2286000" indent="0">
-              <a:buNone/>
-              <a:defRPr sz="1600" b="1"/>
-            </a:lvl6pPr>
-            <a:lvl7pPr marL="2743200" indent="0">
-              <a:buNone/>
-              <a:defRPr sz="1600" b="1"/>
-            </a:lvl7pPr>
-            <a:lvl8pPr marL="3200400" indent="0">
-              <a:buNone/>
-              <a:defRPr sz="1600" b="1"/>
-            </a:lvl8pPr>
-            <a:lvl9pPr marL="3657600" indent="0">
-              <a:buNone/>
-              <a:defRPr sz="1600" b="1"/>
-            </a:lvl9pPr>
             <a:extLst/>
           </a:lstStyle>
           <a:p>
@@ -2009,50 +1856,38 @@
       </p:sp>
       <p:sp>
         <p:nvSpPr>
-          <p:cNvPr id="6" name="5 Marcador de contenido"/>
-          <p:cNvSpPr>
-            <a:spLocks noGrp="1"/>
-          </p:cNvSpPr>
-          <p:nvPr>
-            <p:ph sz="quarter" idx="4"/>
+          <p:cNvPr id="5" name="4 Marcador de contenido"/>
+          <p:cNvSpPr>
+            <a:spLocks noGrp="1"/>
+          </p:cNvSpPr>
+          <p:nvPr>
+            <p:ph sz="quarter" idx="2"/>
           </p:nvPr>
         </p:nvSpPr>
         <p:spPr>
           <a:xfrm>
-            <a:off x="4645025" y="2449512"/>
-            <a:ext cx="4041775" cy="3951288"/>
+            <a:off x="607224" y="1447800"/>
+            <a:ext cx="3931920" cy="3489960"/>
           </a:xfrm>
         </p:spPr>
         <p:txBody>
-          <a:bodyPr/>
-          <a:lstStyle>
-            <a:lvl1pPr>
+          <a:bodyPr anchor="t"/>
+          <a:lstStyle>
+            <a:lvl1pPr algn="l">
               <a:defRPr sz="2400"/>
             </a:lvl1pPr>
-            <a:lvl2pPr>
+            <a:lvl2pPr algn="l">
               <a:defRPr sz="2000"/>
             </a:lvl2pPr>
-            <a:lvl3pPr>
+            <a:lvl3pPr algn="l">
               <a:defRPr sz="1800"/>
             </a:lvl3pPr>
-            <a:lvl4pPr>
+            <a:lvl4pPr algn="l">
               <a:defRPr sz="1600"/>
             </a:lvl4pPr>
-            <a:lvl5pPr>
+            <a:lvl5pPr algn="l">
               <a:defRPr sz="1600"/>
             </a:lvl5pPr>
-            <a:lvl6pPr>
-              <a:defRPr sz="1600"/>
-            </a:lvl6pPr>
-            <a:lvl7pPr>
-              <a:defRPr sz="1600"/>
-            </a:lvl7pPr>
-            <a:lvl8pPr>
-              <a:defRPr sz="1600"/>
-            </a:lvl8pPr>
-            <a:lvl9pPr>
-              <a:defRPr sz="1600"/>
-            </a:lvl9pPr>
             <a:extLst/>
           </a:lstStyle>
           <a:p>
@@ -2095,6 +1930,80 @@
       </p:sp>
       <p:sp>
         <p:nvSpPr>
+          <p:cNvPr id="6" name="5 Marcador de contenido"/>
+          <p:cNvSpPr>
+            <a:spLocks noGrp="1"/>
+          </p:cNvSpPr>
+          <p:nvPr>
+            <p:ph sz="quarter" idx="4"/>
+          </p:nvPr>
+        </p:nvSpPr>
+        <p:spPr>
+          <a:xfrm>
+            <a:off x="4652169" y="1447800"/>
+            <a:ext cx="3931920" cy="3489960"/>
+          </a:xfrm>
+        </p:spPr>
+        <p:txBody>
+          <a:bodyPr anchor="t"/>
+          <a:lstStyle>
+            <a:lvl1pPr algn="l">
+              <a:defRPr sz="2400"/>
+            </a:lvl1pPr>
+            <a:lvl2pPr algn="l">
+              <a:defRPr sz="2000"/>
+            </a:lvl2pPr>
+            <a:lvl3pPr algn="l">
+              <a:defRPr sz="1800"/>
+            </a:lvl3pPr>
+            <a:lvl4pPr algn="l">
+              <a:defRPr sz="1600"/>
+            </a:lvl4pPr>
+            <a:lvl5pPr algn="l">
+              <a:defRPr sz="1600"/>
+            </a:lvl5pPr>
+            <a:extLst/>
+          </a:lstStyle>
+          <a:p>
+            <a:pPr lvl="0" eaLnBrk="1" latinLnBrk="0" hangingPunct="1"/>
+            <a:r>
+              <a:rPr lang="es-ES" smtClean="0"/>
+              <a:t>Haga clic para modificar el estilo de texto del patrón</a:t>
+            </a:r>
+          </a:p>
+          <a:p>
+            <a:pPr lvl="1" eaLnBrk="1" latinLnBrk="0" hangingPunct="1"/>
+            <a:r>
+              <a:rPr lang="es-ES" smtClean="0"/>
+              <a:t>Segundo nivel</a:t>
+            </a:r>
+          </a:p>
+          <a:p>
+            <a:pPr lvl="2" eaLnBrk="1" latinLnBrk="0" hangingPunct="1"/>
+            <a:r>
+              <a:rPr lang="es-ES" smtClean="0"/>
+              <a:t>Tercer nivel</a:t>
+            </a:r>
+          </a:p>
+          <a:p>
+            <a:pPr lvl="3" eaLnBrk="1" latinLnBrk="0" hangingPunct="1"/>
+            <a:r>
+              <a:rPr lang="es-ES" smtClean="0"/>
+              <a:t>Cuarto nivel</a:t>
+            </a:r>
+          </a:p>
+          <a:p>
+            <a:pPr lvl="4" eaLnBrk="1" latinLnBrk="0" hangingPunct="1"/>
+            <a:r>
+              <a:rPr lang="es-ES" smtClean="0"/>
+              <a:t>Quinto nivel</a:t>
+            </a:r>
+            <a:endParaRPr kumimoji="0" lang="en-US"/>
+          </a:p>
+        </p:txBody>
+      </p:sp>
+      <p:sp>
+        <p:nvSpPr>
           <p:cNvPr id="7" name="6 Marcador de fecha"/>
           <p:cNvSpPr>
             <a:spLocks noGrp="1"/>
@@ -2106,10 +2015,13 @@
         <p:spPr/>
         <p:txBody>
           <a:bodyPr/>
-          <a:lstStyle/>
+          <a:lstStyle>
+            <a:extLst/>
+          </a:lstStyle>
           <a:p>
             <a:fld id="{7676B861-67C7-495F-958C-3B13271A0771}" type="datetimeFigureOut">
               <a:rPr lang="es-PE" smtClean="0"/>
+              <a:pPr/>
               <a:t>20/05/2011</a:t>
             </a:fld>
             <a:endParaRPr lang="es-PE"/>
@@ -2129,7 +2041,9 @@
         <p:spPr/>
         <p:txBody>
           <a:bodyPr/>
-          <a:lstStyle/>
+          <a:lstStyle>
+            <a:extLst/>
+          </a:lstStyle>
           <a:p>
             <a:endParaRPr lang="es-PE"/>
           </a:p>
@@ -2148,10 +2062,13 @@
         <p:spPr/>
         <p:txBody>
           <a:bodyPr/>
-          <a:lstStyle/>
+          <a:lstStyle>
+            <a:extLst/>
+          </a:lstStyle>
           <a:p>
             <a:fld id="{CBD21332-99BB-4B68-9663-82F8D110D43B}" type="slidenum">
               <a:rPr lang="es-PE" smtClean="0"/>
+              <a:pPr/>
               <a:t>‹Nº›</a:t>
             </a:fld>
             <a:endParaRPr lang="es-PE"/>
@@ -2221,10 +2138,13 @@
         <p:spPr/>
         <p:txBody>
           <a:bodyPr/>
-          <a:lstStyle/>
+          <a:lstStyle>
+            <a:extLst/>
+          </a:lstStyle>
           <a:p>
             <a:fld id="{7676B861-67C7-495F-958C-3B13271A0771}" type="datetimeFigureOut">
               <a:rPr lang="es-PE" smtClean="0"/>
+              <a:pPr/>
               <a:t>20/05/2011</a:t>
             </a:fld>
             <a:endParaRPr lang="es-PE"/>
@@ -2244,7 +2164,9 @@
         <p:spPr/>
         <p:txBody>
           <a:bodyPr/>
-          <a:lstStyle/>
+          <a:lstStyle>
+            <a:extLst/>
+          </a:lstStyle>
           <a:p>
             <a:endParaRPr lang="es-PE"/>
           </a:p>
@@ -2263,10 +2185,13 @@
         <p:spPr/>
         <p:txBody>
           <a:bodyPr/>
-          <a:lstStyle/>
+          <a:lstStyle>
+            <a:extLst/>
+          </a:lstStyle>
           <a:p>
             <a:fld id="{CBD21332-99BB-4B68-9663-82F8D110D43B}" type="slidenum">
               <a:rPr lang="es-PE" smtClean="0"/>
+              <a:pPr/>
               <a:t>‹Nº›</a:t>
             </a:fld>
             <a:endParaRPr lang="es-PE"/>
@@ -2300,6 +2225,90 @@
       </p:grpSpPr>
       <p:sp>
         <p:nvSpPr>
+          <p:cNvPr id="7" name="6 Rectángulo redondeado"/>
+          <p:cNvSpPr/>
+          <p:nvPr/>
+        </p:nvSpPr>
+        <p:spPr>
+          <a:xfrm>
+            <a:off x="304800" y="329184"/>
+            <a:ext cx="8532055" cy="6196819"/>
+          </a:xfrm>
+          <a:prstGeom prst="roundRect">
+            <a:avLst>
+              <a:gd name="adj" fmla="val 2081"/>
+            </a:avLst>
+          </a:prstGeom>
+          <a:gradFill flip="none" rotWithShape="1">
+            <a:gsLst>
+              <a:gs pos="0">
+                <a:srgbClr val="FFFFFF">
+                  <a:shade val="100000"/>
+                </a:srgbClr>
+              </a:gs>
+              <a:gs pos="98000">
+                <a:srgbClr val="FFFFFF">
+                  <a:shade val="100000"/>
+                </a:srgbClr>
+              </a:gs>
+              <a:gs pos="99055">
+                <a:srgbClr val="FFFFFF">
+                  <a:shade val="93000"/>
+                </a:srgbClr>
+              </a:gs>
+              <a:gs pos="100000">
+                <a:srgbClr val="FFFFFF">
+                  <a:shade val="70000"/>
+                </a:srgbClr>
+              </a:gs>
+            </a:gsLst>
+            <a:lin ang="5400000" scaled="1"/>
+            <a:tileRect/>
+          </a:gradFill>
+          <a:ln w="2000" cap="rnd" cmpd="sng" algn="ctr">
+            <a:solidFill>
+              <a:srgbClr val="302F2C">
+                <a:tint val="65000"/>
+                <a:satMod val="120000"/>
+              </a:srgbClr>
+            </a:solidFill>
+            <a:prstDash val="solid"/>
+          </a:ln>
+          <a:effectLst>
+            <a:outerShdw blurRad="76200" dist="50800" dir="5400000" algn="tl" rotWithShape="0">
+              <a:srgbClr val="000000">
+                <a:alpha val="25000"/>
+              </a:srgbClr>
+            </a:outerShdw>
+          </a:effectLst>
+        </p:spPr>
+        <p:style>
+          <a:lnRef idx="3">
+            <a:schemeClr val="lt1"/>
+          </a:lnRef>
+          <a:fillRef idx="1">
+            <a:schemeClr val="accent1"/>
+          </a:fillRef>
+          <a:effectRef idx="1">
+            <a:schemeClr val="accent1"/>
+          </a:effectRef>
+          <a:fontRef idx="minor">
+            <a:schemeClr val="lt1"/>
+          </a:fontRef>
+        </p:style>
+        <p:txBody>
+          <a:bodyPr anchor="ctr"/>
+          <a:lstStyle>
+            <a:extLst/>
+          </a:lstStyle>
+          <a:p>
+            <a:pPr algn="ctr" eaLnBrk="1" latinLnBrk="0" hangingPunct="1"/>
+            <a:endParaRPr kumimoji="0" lang="en-US"/>
+          </a:p>
+        </p:txBody>
+      </p:sp>
+      <p:sp>
+        <p:nvSpPr>
           <p:cNvPr id="2" name="1 Marcador de fecha"/>
           <p:cNvSpPr>
             <a:spLocks noGrp="1"/>
@@ -2311,10 +2320,13 @@
         <p:spPr/>
         <p:txBody>
           <a:bodyPr/>
-          <a:lstStyle/>
+          <a:lstStyle>
+            <a:extLst/>
+          </a:lstStyle>
           <a:p>
             <a:fld id="{7676B861-67C7-495F-958C-3B13271A0771}" type="datetimeFigureOut">
               <a:rPr lang="es-PE" smtClean="0"/>
+              <a:pPr/>
               <a:t>20/05/2011</a:t>
             </a:fld>
             <a:endParaRPr lang="es-PE"/>
@@ -2334,7 +2346,9 @@
         <p:spPr/>
         <p:txBody>
           <a:bodyPr/>
-          <a:lstStyle/>
+          <a:lstStyle>
+            <a:extLst/>
+          </a:lstStyle>
           <a:p>
             <a:endParaRPr lang="es-PE"/>
           </a:p>
@@ -2353,10 +2367,13 @@
         <p:spPr/>
         <p:txBody>
           <a:bodyPr/>
-          <a:lstStyle/>
+          <a:lstStyle>
+            <a:extLst/>
+          </a:lstStyle>
           <a:p>
             <a:fld id="{CBD21332-99BB-4B68-9663-82F8D110D43B}" type="slidenum">
               <a:rPr lang="es-PE" smtClean="0"/>
+              <a:pPr/>
               <a:t>‹Nº›</a:t>
             </a:fld>
             <a:endParaRPr lang="es-PE"/>
@@ -2400,18 +2417,20 @@
         </p:nvSpPr>
         <p:spPr>
           <a:xfrm>
-            <a:off x="167838" y="152400"/>
-            <a:ext cx="2523744" cy="978408"/>
+            <a:off x="5538784" y="533400"/>
+            <a:ext cx="2971800" cy="914400"/>
           </a:xfrm>
         </p:spPr>
         <p:txBody>
-          <a:bodyPr vert="horz" lIns="73152" rIns="45720" bIns="0" rtlCol="0" anchor="b">
-            <a:normAutofit/>
-            <a:sp3d prstMaterial="matte"/>
-          </a:bodyPr>
+          <a:bodyPr anchor="b"/>
           <a:lstStyle>
             <a:lvl1pPr algn="l">
-              <a:defRPr sz="2000" b="0"/>
+              <a:buNone/>
+              <a:defRPr sz="2200" b="1">
+                <a:solidFill>
+                  <a:schemeClr val="accent1"/>
+                </a:solidFill>
+              </a:defRPr>
             </a:lvl1pPr>
             <a:extLst/>
           </a:lstStyle>
@@ -2426,50 +2445,164 @@
       </p:sp>
       <p:sp>
         <p:nvSpPr>
-          <p:cNvPr id="3" name="2 Marcador de contenido"/>
-          <p:cNvSpPr>
-            <a:spLocks noGrp="1"/>
-          </p:cNvSpPr>
-          <p:nvPr>
-            <p:ph idx="1"/>
+          <p:cNvPr id="3" name="2 Marcador de texto"/>
+          <p:cNvSpPr>
+            <a:spLocks noGrp="1"/>
+          </p:cNvSpPr>
+          <p:nvPr>
+            <p:ph type="body" idx="2"/>
           </p:nvPr>
         </p:nvSpPr>
         <p:spPr>
           <a:xfrm>
-            <a:off x="3019377" y="1743133"/>
-            <a:ext cx="5920641" cy="4558885"/>
+            <a:off x="5538847" y="1447802"/>
+            <a:ext cx="2971800" cy="4206112"/>
           </a:xfrm>
         </p:spPr>
         <p:txBody>
-          <a:bodyPr/>
-          <a:lstStyle>
-            <a:lvl1pPr>
-              <a:defRPr sz="3200"/>
+          <a:bodyPr lIns="91440"/>
+          <a:lstStyle>
+            <a:lvl1pPr marL="18288" marR="18288" indent="0">
+              <a:spcBef>
+                <a:spcPts val="0"/>
+              </a:spcBef>
+              <a:buNone/>
+              <a:defRPr sz="1400">
+                <a:solidFill>
+                  <a:schemeClr val="tx1"/>
+                </a:solidFill>
+              </a:defRPr>
             </a:lvl1pPr>
             <a:lvl2pPr>
-              <a:defRPr sz="2800"/>
+              <a:buNone/>
+              <a:defRPr sz="1200">
+                <a:solidFill>
+                  <a:schemeClr val="tx1"/>
+                </a:solidFill>
+              </a:defRPr>
             </a:lvl2pPr>
             <a:lvl3pPr>
-              <a:defRPr sz="2400"/>
+              <a:buNone/>
+              <a:defRPr sz="1000">
+                <a:solidFill>
+                  <a:schemeClr val="tx1"/>
+                </a:solidFill>
+              </a:defRPr>
             </a:lvl3pPr>
             <a:lvl4pPr>
-              <a:defRPr sz="2000"/>
+              <a:buNone/>
+              <a:defRPr sz="900">
+                <a:solidFill>
+                  <a:schemeClr val="tx1"/>
+                </a:solidFill>
+              </a:defRPr>
             </a:lvl4pPr>
             <a:lvl5pPr>
-              <a:defRPr sz="2000"/>
+              <a:buNone/>
+              <a:defRPr sz="900">
+                <a:solidFill>
+                  <a:schemeClr val="tx1"/>
+                </a:solidFill>
+              </a:defRPr>
+            </a:lvl5pPr>
+            <a:extLst/>
+          </a:lstStyle>
+          <a:p>
+            <a:pPr lvl="0" eaLnBrk="1" latinLnBrk="0" hangingPunct="1"/>
+            <a:r>
+              <a:rPr lang="es-ES" smtClean="0"/>
+              <a:t>Haga clic para modificar el estilo de texto del patrón</a:t>
+            </a:r>
+          </a:p>
+          <a:p>
+            <a:pPr lvl="1" eaLnBrk="1" latinLnBrk="0" hangingPunct="1"/>
+            <a:r>
+              <a:rPr lang="es-ES" smtClean="0"/>
+              <a:t>Segundo nivel</a:t>
+            </a:r>
+          </a:p>
+          <a:p>
+            <a:pPr lvl="2" eaLnBrk="1" latinLnBrk="0" hangingPunct="1"/>
+            <a:r>
+              <a:rPr lang="es-ES" smtClean="0"/>
+              <a:t>Tercer nivel</a:t>
+            </a:r>
+          </a:p>
+          <a:p>
+            <a:pPr lvl="3" eaLnBrk="1" latinLnBrk="0" hangingPunct="1"/>
+            <a:r>
+              <a:rPr lang="es-ES" smtClean="0"/>
+              <a:t>Cuarto nivel</a:t>
+            </a:r>
+          </a:p>
+          <a:p>
+            <a:pPr lvl="4" eaLnBrk="1" latinLnBrk="0" hangingPunct="1"/>
+            <a:r>
+              <a:rPr lang="es-ES" smtClean="0"/>
+              <a:t>Quinto nivel</a:t>
+            </a:r>
+            <a:endParaRPr kumimoji="0" lang="en-US"/>
+          </a:p>
+        </p:txBody>
+      </p:sp>
+      <p:sp>
+        <p:nvSpPr>
+          <p:cNvPr id="4" name="3 Marcador de contenido"/>
+          <p:cNvSpPr>
+            <a:spLocks noGrp="1"/>
+          </p:cNvSpPr>
+          <p:nvPr>
+            <p:ph sz="half" idx="1"/>
+          </p:nvPr>
+        </p:nvSpPr>
+        <p:spPr>
+          <a:xfrm>
+            <a:off x="761372" y="930144"/>
+            <a:ext cx="4626159" cy="4724402"/>
+          </a:xfrm>
+        </p:spPr>
+        <p:txBody>
+          <a:bodyPr/>
+          <a:lstStyle>
+            <a:lvl1pPr>
+              <a:defRPr sz="2800">
+                <a:solidFill>
+                  <a:schemeClr val="tx1"/>
+                </a:solidFill>
+              </a:defRPr>
+            </a:lvl1pPr>
+            <a:lvl2pPr>
+              <a:defRPr sz="2600">
+                <a:solidFill>
+                  <a:schemeClr val="tx1"/>
+                </a:solidFill>
+              </a:defRPr>
+            </a:lvl2pPr>
+            <a:lvl3pPr>
+              <a:defRPr sz="2400">
+                <a:solidFill>
+                  <a:schemeClr val="tx1"/>
+                </a:solidFill>
+              </a:defRPr>
+            </a:lvl3pPr>
+            <a:lvl4pPr>
+              <a:defRPr sz="2000">
+                <a:solidFill>
+                  <a:schemeClr val="tx1"/>
+                </a:solidFill>
+              </a:defRPr>
+            </a:lvl4pPr>
+            <a:lvl5pPr>
+              <a:defRPr sz="2000">
+                <a:solidFill>
+                  <a:schemeClr val="tx1"/>
+                </a:solidFill>
+              </a:defRPr>
             </a:lvl5pPr>
             <a:lvl6pPr>
-              <a:defRPr sz="2000"/>
+              <a:buNone/>
+              <a:defRPr/>
             </a:lvl6pPr>
-            <a:lvl7pPr>
-              <a:defRPr sz="2000"/>
-            </a:lvl7pPr>
-            <a:lvl8pPr>
-              <a:defRPr sz="2000"/>
-            </a:lvl8pPr>
-            <a:lvl9pPr>
-              <a:defRPr sz="2000"/>
-            </a:lvl9pPr>
             <a:extLst/>
           </a:lstStyle>
           <a:p>
@@ -2512,72 +2645,6 @@
       </p:sp>
       <p:sp>
         <p:nvSpPr>
-          <p:cNvPr id="4" name="3 Marcador de texto"/>
-          <p:cNvSpPr>
-            <a:spLocks noGrp="1"/>
-          </p:cNvSpPr>
-          <p:nvPr>
-            <p:ph type="body" sz="half" idx="2"/>
-          </p:nvPr>
-        </p:nvSpPr>
-        <p:spPr>
-          <a:xfrm>
-            <a:off x="167838" y="1730018"/>
-            <a:ext cx="2468880" cy="4572000"/>
-          </a:xfrm>
-        </p:spPr>
-        <p:txBody>
-          <a:bodyPr/>
-          <a:lstStyle>
-            <a:lvl1pPr marL="0" indent="0">
-              <a:buNone/>
-              <a:defRPr sz="1400"/>
-            </a:lvl1pPr>
-            <a:lvl2pPr marL="457200" indent="0">
-              <a:buNone/>
-              <a:defRPr sz="1200"/>
-            </a:lvl2pPr>
-            <a:lvl3pPr marL="914400" indent="0">
-              <a:buNone/>
-              <a:defRPr sz="1000"/>
-            </a:lvl3pPr>
-            <a:lvl4pPr marL="1371600" indent="0">
-              <a:buNone/>
-              <a:defRPr sz="900"/>
-            </a:lvl4pPr>
-            <a:lvl5pPr marL="1828800" indent="0">
-              <a:buNone/>
-              <a:defRPr sz="900"/>
-            </a:lvl5pPr>
-            <a:lvl6pPr marL="2286000" indent="0">
-              <a:buNone/>
-              <a:defRPr sz="900"/>
-            </a:lvl6pPr>
-            <a:lvl7pPr marL="2743200" indent="0">
-              <a:buNone/>
-              <a:defRPr sz="900"/>
-            </a:lvl7pPr>
-            <a:lvl8pPr marL="3200400" indent="0">
-              <a:buNone/>
-              <a:defRPr sz="900"/>
-            </a:lvl8pPr>
-            <a:lvl9pPr marL="3657600" indent="0">
-              <a:buNone/>
-              <a:defRPr sz="900"/>
-            </a:lvl9pPr>
-            <a:extLst/>
-          </a:lstStyle>
-          <a:p>
-            <a:pPr lvl="0" eaLnBrk="1" latinLnBrk="0" hangingPunct="1"/>
-            <a:r>
-              <a:rPr kumimoji="0" lang="es-ES" smtClean="0"/>
-              <a:t>Haga clic para modificar el estilo de texto del patrón</a:t>
-            </a:r>
-          </a:p>
-        </p:txBody>
-      </p:sp>
-      <p:sp>
-        <p:nvSpPr>
           <p:cNvPr id="5" name="4 Marcador de fecha"/>
           <p:cNvSpPr>
             <a:spLocks noGrp="1"/>
@@ -2589,10 +2656,13 @@
         <p:spPr/>
         <p:txBody>
           <a:bodyPr/>
-          <a:lstStyle/>
+          <a:lstStyle>
+            <a:extLst/>
+          </a:lstStyle>
           <a:p>
             <a:fld id="{7676B861-67C7-495F-958C-3B13271A0771}" type="datetimeFigureOut">
               <a:rPr lang="es-PE" smtClean="0"/>
+              <a:pPr/>
               <a:t>20/05/2011</a:t>
             </a:fld>
             <a:endParaRPr lang="es-PE"/>
@@ -2612,7 +2682,9 @@
         <p:spPr/>
         <p:txBody>
           <a:bodyPr/>
-          <a:lstStyle/>
+          <a:lstStyle>
+            <a:extLst/>
+          </a:lstStyle>
           <a:p>
             <a:endParaRPr lang="es-PE"/>
           </a:p>
@@ -2631,107 +2703,16 @@
         <p:spPr/>
         <p:txBody>
           <a:bodyPr/>
-          <a:lstStyle/>
+          <a:lstStyle>
+            <a:extLst/>
+          </a:lstStyle>
           <a:p>
             <a:fld id="{CBD21332-99BB-4B68-9663-82F8D110D43B}" type="slidenum">
               <a:rPr lang="es-PE" smtClean="0"/>
+              <a:pPr/>
               <a:t>‹Nº›</a:t>
             </a:fld>
             <a:endParaRPr lang="es-PE"/>
-          </a:p>
-        </p:txBody>
-      </p:sp>
-      <p:sp>
-        <p:nvSpPr>
-          <p:cNvPr id="12" name="11 Rectángulo"/>
-          <p:cNvSpPr/>
-          <p:nvPr/>
-        </p:nvSpPr>
-        <p:spPr bwMode="invGray">
-          <a:xfrm>
-            <a:off x="2855737" y="0"/>
-            <a:ext cx="45720" cy="1453896"/>
-          </a:xfrm>
-          <a:prstGeom prst="rect">
-            <a:avLst/>
-          </a:prstGeom>
-          <a:solidFill>
-            <a:srgbClr val="FFFFFF"/>
-          </a:solidFill>
-          <a:ln w="48000" cap="flat" cmpd="thickThin" algn="ctr">
-            <a:noFill/>
-            <a:prstDash val="solid"/>
-          </a:ln>
-        </p:spPr>
-        <p:style>
-          <a:lnRef idx="2">
-            <a:schemeClr val="accent1"/>
-          </a:lnRef>
-          <a:fillRef idx="1">
-            <a:schemeClr val="accent1"/>
-          </a:fillRef>
-          <a:effectRef idx="0">
-            <a:schemeClr val="accent1"/>
-          </a:effectRef>
-          <a:fontRef idx="minor">
-            <a:schemeClr val="lt1"/>
-          </a:fontRef>
-        </p:style>
-        <p:txBody>
-          <a:bodyPr rtlCol="0" anchor="ctr"/>
-          <a:lstStyle>
-            <a:extLst/>
-          </a:lstStyle>
-          <a:p>
-            <a:pPr algn="ctr" eaLnBrk="1" latinLnBrk="0" hangingPunct="1"/>
-            <a:endParaRPr kumimoji="0" lang="en-US"/>
-          </a:p>
-        </p:txBody>
-      </p:sp>
-      <p:sp>
-        <p:nvSpPr>
-          <p:cNvPr id="9" name="8 Rectángulo"/>
-          <p:cNvSpPr/>
-          <p:nvPr/>
-        </p:nvSpPr>
-        <p:spPr bwMode="invGray">
-          <a:xfrm>
-            <a:off x="2855737" y="0"/>
-            <a:ext cx="45720" cy="1453896"/>
-          </a:xfrm>
-          <a:prstGeom prst="rect">
-            <a:avLst/>
-          </a:prstGeom>
-          <a:solidFill>
-            <a:srgbClr val="FFFFFF"/>
-          </a:solidFill>
-          <a:ln w="48000" cap="flat" cmpd="thickThin" algn="ctr">
-            <a:noFill/>
-            <a:prstDash val="solid"/>
-          </a:ln>
-        </p:spPr>
-        <p:style>
-          <a:lnRef idx="2">
-            <a:schemeClr val="accent1"/>
-          </a:lnRef>
-          <a:fillRef idx="1">
-            <a:schemeClr val="accent1"/>
-          </a:fillRef>
-          <a:effectRef idx="0">
-            <a:schemeClr val="accent1"/>
-          </a:effectRef>
-          <a:fontRef idx="minor">
-            <a:schemeClr val="lt1"/>
-          </a:fontRef>
-        </p:style>
-        <p:txBody>
-          <a:bodyPr rtlCol="0" anchor="ctr"/>
-          <a:lstStyle>
-            <a:extLst/>
-          </a:lstStyle>
-          <a:p>
-            <a:pPr algn="ctr" eaLnBrk="1" latinLnBrk="0" hangingPunct="1"/>
-            <a:endParaRPr kumimoji="0" lang="en-US"/>
           </a:p>
         </p:txBody>
       </p:sp>
@@ -2744,8 +2725,424 @@
 </file>
 
 <file path=ppt/slideLayouts/slideLayout9.xml><?xml version="1.0" encoding="utf-8"?>
-<p:sldLayout xmlns:a="http://schemas.openxmlformats.org/drawingml/2006/main" xmlns:r="http://schemas.openxmlformats.org/officeDocument/2006/relationships" xmlns:p="http://schemas.openxmlformats.org/presentationml/2006/main" type="picTx" preserve="1">
+<p:sldLayout xmlns:a="http://schemas.openxmlformats.org/drawingml/2006/main" xmlns:r="http://schemas.openxmlformats.org/officeDocument/2006/relationships" xmlns:p="http://schemas.openxmlformats.org/presentationml/2006/main" showMasterSp="0" type="picTx" preserve="1">
   <p:cSld name="Imagen con título">
+    <p:spTree>
+      <p:nvGrpSpPr>
+        <p:cNvPr id="1" name=""/>
+        <p:cNvGrpSpPr/>
+        <p:nvPr/>
+      </p:nvGrpSpPr>
+      <p:grpSpPr>
+        <a:xfrm>
+          <a:off x="0" y="0"/>
+          <a:ext cx="0" cy="0"/>
+          <a:chOff x="0" y="0"/>
+          <a:chExt cx="0" cy="0"/>
+        </a:xfrm>
+      </p:grpSpPr>
+      <p:sp>
+        <p:nvSpPr>
+          <p:cNvPr id="15" name="14 Rectángulo redondeado"/>
+          <p:cNvSpPr/>
+          <p:nvPr/>
+        </p:nvSpPr>
+        <p:spPr>
+          <a:xfrm>
+            <a:off x="304800" y="329184"/>
+            <a:ext cx="8532055" cy="6196819"/>
+          </a:xfrm>
+          <a:prstGeom prst="roundRect">
+            <a:avLst>
+              <a:gd name="adj" fmla="val 2081"/>
+            </a:avLst>
+          </a:prstGeom>
+          <a:gradFill flip="none" rotWithShape="1">
+            <a:gsLst>
+              <a:gs pos="0">
+                <a:srgbClr val="FFFFFF">
+                  <a:shade val="100000"/>
+                </a:srgbClr>
+              </a:gs>
+              <a:gs pos="98000">
+                <a:srgbClr val="FFFFFF">
+                  <a:shade val="100000"/>
+                </a:srgbClr>
+              </a:gs>
+              <a:gs pos="99055">
+                <a:srgbClr val="FFFFFF">
+                  <a:shade val="93000"/>
+                </a:srgbClr>
+              </a:gs>
+              <a:gs pos="100000">
+                <a:srgbClr val="FFFFFF">
+                  <a:shade val="70000"/>
+                </a:srgbClr>
+              </a:gs>
+            </a:gsLst>
+            <a:lin ang="5400000" scaled="1"/>
+            <a:tileRect/>
+          </a:gradFill>
+          <a:ln w="2000" cap="rnd" cmpd="sng" algn="ctr">
+            <a:solidFill>
+              <a:srgbClr val="302F2C">
+                <a:tint val="65000"/>
+                <a:satMod val="120000"/>
+              </a:srgbClr>
+            </a:solidFill>
+            <a:prstDash val="solid"/>
+          </a:ln>
+          <a:effectLst>
+            <a:outerShdw blurRad="76200" dist="50800" dir="5400000" algn="tl" rotWithShape="0">
+              <a:srgbClr val="000000">
+                <a:alpha val="25000"/>
+              </a:srgbClr>
+            </a:outerShdw>
+          </a:effectLst>
+        </p:spPr>
+        <p:style>
+          <a:lnRef idx="3">
+            <a:schemeClr val="lt1"/>
+          </a:lnRef>
+          <a:fillRef idx="1">
+            <a:schemeClr val="accent1"/>
+          </a:fillRef>
+          <a:effectRef idx="1">
+            <a:schemeClr val="accent1"/>
+          </a:effectRef>
+          <a:fontRef idx="minor">
+            <a:schemeClr val="lt1"/>
+          </a:fontRef>
+        </p:style>
+        <p:txBody>
+          <a:bodyPr anchor="ctr"/>
+          <a:lstStyle>
+            <a:extLst/>
+          </a:lstStyle>
+          <a:p>
+            <a:pPr algn="ctr" eaLnBrk="1" latinLnBrk="0" hangingPunct="1"/>
+            <a:endParaRPr kumimoji="0" lang="en-US"/>
+          </a:p>
+        </p:txBody>
+      </p:sp>
+      <p:sp>
+        <p:nvSpPr>
+          <p:cNvPr id="11" name="10 Redondear rectángulo de esquina sencilla"/>
+          <p:cNvSpPr/>
+          <p:nvPr/>
+        </p:nvSpPr>
+        <p:spPr>
+          <a:xfrm>
+            <a:off x="6400800" y="434162"/>
+            <a:ext cx="2324605" cy="4343400"/>
+          </a:xfrm>
+          <a:prstGeom prst="round1Rect">
+            <a:avLst>
+              <a:gd name="adj" fmla="val 2748"/>
+            </a:avLst>
+          </a:prstGeom>
+          <a:solidFill>
+            <a:srgbClr val="1C1C1C"/>
+          </a:solidFill>
+          <a:ln w="8890" cap="rnd" cmpd="sng" algn="ctr">
+            <a:noFill/>
+            <a:prstDash val="solid"/>
+          </a:ln>
+          <a:effectLst/>
+        </p:spPr>
+        <p:style>
+          <a:lnRef idx="3">
+            <a:schemeClr val="lt1"/>
+          </a:lnRef>
+          <a:fillRef idx="1">
+            <a:schemeClr val="accent1"/>
+          </a:fillRef>
+          <a:effectRef idx="1">
+            <a:schemeClr val="accent1"/>
+          </a:effectRef>
+          <a:fontRef idx="minor">
+            <a:schemeClr val="lt1"/>
+          </a:fontRef>
+        </p:style>
+        <p:txBody>
+          <a:bodyPr anchor="ctr"/>
+          <a:lstStyle>
+            <a:extLst/>
+          </a:lstStyle>
+          <a:p>
+            <a:pPr algn="ctr" eaLnBrk="1" latinLnBrk="0" hangingPunct="1"/>
+            <a:endParaRPr kumimoji="0" lang="en-US"/>
+          </a:p>
+        </p:txBody>
+      </p:sp>
+      <p:sp>
+        <p:nvSpPr>
+          <p:cNvPr id="2" name="1 Título"/>
+          <p:cNvSpPr>
+            <a:spLocks noGrp="1"/>
+          </p:cNvSpPr>
+          <p:nvPr>
+            <p:ph type="title"/>
+          </p:nvPr>
+        </p:nvSpPr>
+        <p:spPr>
+          <a:xfrm>
+            <a:off x="457200" y="5012056"/>
+            <a:ext cx="8229600" cy="1051560"/>
+          </a:xfrm>
+        </p:spPr>
+        <p:txBody>
+          <a:bodyPr anchor="t"/>
+          <a:lstStyle>
+            <a:lvl1pPr algn="l">
+              <a:buNone/>
+              <a:defRPr sz="3600" b="0">
+                <a:solidFill>
+                  <a:schemeClr val="bg2">
+                    <a:shade val="25000"/>
+                  </a:schemeClr>
+                </a:solidFill>
+                <a:effectLst/>
+              </a:defRPr>
+            </a:lvl1pPr>
+            <a:extLst/>
+          </a:lstStyle>
+          <a:p>
+            <a:r>
+              <a:rPr kumimoji="0" lang="es-ES" smtClean="0"/>
+              <a:t>Haga clic para modificar el estilo de título del patrón</a:t>
+            </a:r>
+            <a:endParaRPr kumimoji="0" lang="en-US"/>
+          </a:p>
+        </p:txBody>
+      </p:sp>
+      <p:sp>
+        <p:nvSpPr>
+          <p:cNvPr id="4" name="3 Marcador de texto"/>
+          <p:cNvSpPr>
+            <a:spLocks noGrp="1"/>
+          </p:cNvSpPr>
+          <p:nvPr>
+            <p:ph type="body" sz="half" idx="2"/>
+          </p:nvPr>
+        </p:nvSpPr>
+        <p:spPr bwMode="grayWhite">
+          <a:xfrm>
+            <a:off x="6462712" y="533400"/>
+            <a:ext cx="2240280" cy="4211480"/>
+          </a:xfrm>
+        </p:spPr>
+        <p:txBody>
+          <a:bodyPr lIns="91440"/>
+          <a:lstStyle>
+            <a:lvl1pPr marL="45720" indent="0" algn="l">
+              <a:spcBef>
+                <a:spcPts val="0"/>
+              </a:spcBef>
+              <a:buNone/>
+              <a:defRPr sz="1400">
+                <a:solidFill>
+                  <a:srgbClr val="FFFFFF"/>
+                </a:solidFill>
+              </a:defRPr>
+            </a:lvl1pPr>
+            <a:lvl2pPr>
+              <a:defRPr sz="1200">
+                <a:solidFill>
+                  <a:srgbClr val="FFFFFF"/>
+                </a:solidFill>
+              </a:defRPr>
+            </a:lvl2pPr>
+            <a:lvl3pPr>
+              <a:defRPr sz="1000">
+                <a:solidFill>
+                  <a:srgbClr val="FFFFFF"/>
+                </a:solidFill>
+              </a:defRPr>
+            </a:lvl3pPr>
+            <a:lvl4pPr>
+              <a:defRPr sz="900">
+                <a:solidFill>
+                  <a:srgbClr val="FFFFFF"/>
+                </a:solidFill>
+              </a:defRPr>
+            </a:lvl4pPr>
+            <a:lvl5pPr>
+              <a:defRPr sz="900">
+                <a:solidFill>
+                  <a:srgbClr val="FFFFFF"/>
+                </a:solidFill>
+              </a:defRPr>
+            </a:lvl5pPr>
+            <a:extLst/>
+          </a:lstStyle>
+          <a:p>
+            <a:pPr lvl="0" eaLnBrk="1" latinLnBrk="0" hangingPunct="1"/>
+            <a:r>
+              <a:rPr lang="es-ES" smtClean="0"/>
+              <a:t>Haga clic para modificar el estilo de texto del patrón</a:t>
+            </a:r>
+          </a:p>
+          <a:p>
+            <a:pPr lvl="1" eaLnBrk="1" latinLnBrk="0" hangingPunct="1"/>
+            <a:r>
+              <a:rPr lang="es-ES" smtClean="0"/>
+              <a:t>Segundo nivel</a:t>
+            </a:r>
+          </a:p>
+          <a:p>
+            <a:pPr lvl="2" eaLnBrk="1" latinLnBrk="0" hangingPunct="1"/>
+            <a:r>
+              <a:rPr lang="es-ES" smtClean="0"/>
+              <a:t>Tercer nivel</a:t>
+            </a:r>
+          </a:p>
+          <a:p>
+            <a:pPr lvl="3" eaLnBrk="1" latinLnBrk="0" hangingPunct="1"/>
+            <a:r>
+              <a:rPr lang="es-ES" smtClean="0"/>
+              <a:t>Cuarto nivel</a:t>
+            </a:r>
+          </a:p>
+          <a:p>
+            <a:pPr lvl="4" eaLnBrk="1" latinLnBrk="0" hangingPunct="1"/>
+            <a:r>
+              <a:rPr lang="es-ES" smtClean="0"/>
+              <a:t>Quinto nivel</a:t>
+            </a:r>
+            <a:endParaRPr kumimoji="0" lang="en-US"/>
+          </a:p>
+        </p:txBody>
+      </p:sp>
+      <p:sp>
+        <p:nvSpPr>
+          <p:cNvPr id="5" name="4 Marcador de fecha"/>
+          <p:cNvSpPr>
+            <a:spLocks noGrp="1"/>
+          </p:cNvSpPr>
+          <p:nvPr>
+            <p:ph type="dt" sz="half" idx="10"/>
+          </p:nvPr>
+        </p:nvSpPr>
+        <p:spPr/>
+        <p:txBody>
+          <a:bodyPr/>
+          <a:lstStyle>
+            <a:extLst/>
+          </a:lstStyle>
+          <a:p>
+            <a:fld id="{7676B861-67C7-495F-958C-3B13271A0771}" type="datetimeFigureOut">
+              <a:rPr lang="es-PE" smtClean="0"/>
+              <a:pPr/>
+              <a:t>20/05/2011</a:t>
+            </a:fld>
+            <a:endParaRPr lang="es-PE"/>
+          </a:p>
+        </p:txBody>
+      </p:sp>
+      <p:sp>
+        <p:nvSpPr>
+          <p:cNvPr id="6" name="5 Marcador de pie de página"/>
+          <p:cNvSpPr>
+            <a:spLocks noGrp="1"/>
+          </p:cNvSpPr>
+          <p:nvPr>
+            <p:ph type="ftr" sz="quarter" idx="11"/>
+          </p:nvPr>
+        </p:nvSpPr>
+        <p:spPr/>
+        <p:txBody>
+          <a:bodyPr/>
+          <a:lstStyle>
+            <a:extLst/>
+          </a:lstStyle>
+          <a:p>
+            <a:endParaRPr lang="es-PE"/>
+          </a:p>
+        </p:txBody>
+      </p:sp>
+      <p:sp>
+        <p:nvSpPr>
+          <p:cNvPr id="7" name="6 Marcador de número de diapositiva"/>
+          <p:cNvSpPr>
+            <a:spLocks noGrp="1"/>
+          </p:cNvSpPr>
+          <p:nvPr>
+            <p:ph type="sldNum" sz="quarter" idx="12"/>
+          </p:nvPr>
+        </p:nvSpPr>
+        <p:spPr/>
+        <p:txBody>
+          <a:bodyPr/>
+          <a:lstStyle>
+            <a:extLst/>
+          </a:lstStyle>
+          <a:p>
+            <a:fld id="{CBD21332-99BB-4B68-9663-82F8D110D43B}" type="slidenum">
+              <a:rPr lang="es-PE" smtClean="0"/>
+              <a:pPr/>
+              <a:t>‹Nº›</a:t>
+            </a:fld>
+            <a:endParaRPr lang="es-PE"/>
+          </a:p>
+        </p:txBody>
+      </p:sp>
+      <p:sp>
+        <p:nvSpPr>
+          <p:cNvPr id="3" name="2 Marcador de posición de imagen"/>
+          <p:cNvSpPr>
+            <a:spLocks noGrp="1"/>
+          </p:cNvSpPr>
+          <p:nvPr>
+            <p:ph type="pic" idx="1"/>
+          </p:nvPr>
+        </p:nvSpPr>
+        <p:spPr>
+          <a:xfrm>
+            <a:off x="421480" y="435768"/>
+            <a:ext cx="5925312" cy="4343400"/>
+          </a:xfrm>
+          <a:prstGeom prst="snipRoundRect">
+            <a:avLst>
+              <a:gd name="adj1" fmla="val 1040"/>
+              <a:gd name="adj2" fmla="val 0"/>
+            </a:avLst>
+          </a:prstGeom>
+          <a:solidFill>
+            <a:schemeClr val="bg2">
+              <a:shade val="10000"/>
+            </a:schemeClr>
+          </a:solidFill>
+        </p:spPr>
+        <p:txBody>
+          <a:bodyPr/>
+          <a:lstStyle>
+            <a:lvl1pPr marL="0" indent="0">
+              <a:buNone/>
+              <a:defRPr sz="3200"/>
+            </a:lvl1pPr>
+            <a:extLst/>
+          </a:lstStyle>
+          <a:p>
+            <a:r>
+              <a:rPr kumimoji="0" lang="es-ES" smtClean="0"/>
+              <a:t>Haga clic en el icono para agregar una imagen</a:t>
+            </a:r>
+            <a:endParaRPr kumimoji="0" lang="en-US"/>
+          </a:p>
+        </p:txBody>
+      </p:sp>
+    </p:spTree>
+  </p:cSld>
+  <p:clrMapOvr>
+    <a:masterClrMapping/>
+  </p:clrMapOvr>
+</p:sldLayout>
+</file>
+
+<file path=ppt/slideMasters/slideMaster1.xml><?xml version="1.0" encoding="utf-8"?>
+<p:sldMaster xmlns:a="http://schemas.openxmlformats.org/drawingml/2006/main" xmlns:r="http://schemas.openxmlformats.org/officeDocument/2006/relationships" xmlns:p="http://schemas.openxmlformats.org/presentationml/2006/main">
+  <p:cSld>
     <p:bg>
       <p:bgRef idx="1001">
         <a:schemeClr val="bg2"/>
@@ -2767,234 +3164,71 @@
       </p:grpSpPr>
       <p:sp>
         <p:nvSpPr>
-          <p:cNvPr id="2" name="1 Título"/>
-          <p:cNvSpPr>
-            <a:spLocks noGrp="1"/>
-          </p:cNvSpPr>
-          <p:nvPr>
-            <p:ph type="title"/>
-          </p:nvPr>
+          <p:cNvPr id="7" name="6 Rectángulo redondeado"/>
+          <p:cNvSpPr/>
+          <p:nvPr/>
         </p:nvSpPr>
         <p:spPr>
           <a:xfrm>
-            <a:off x="164592" y="155448"/>
-            <a:ext cx="2525150" cy="978408"/>
+            <a:off x="304800" y="329184"/>
+            <a:ext cx="8532055" cy="6196819"/>
           </a:xfrm>
-        </p:spPr>
-        <p:txBody>
-          <a:bodyPr lIns="73152" bIns="0" anchor="b">
-            <a:sp3d prstMaterial="matte"/>
-          </a:bodyPr>
-          <a:lstStyle>
-            <a:lvl1pPr algn="l">
-              <a:defRPr sz="2000" b="0"/>
-            </a:lvl1pPr>
-            <a:extLst/>
-          </a:lstStyle>
-          <a:p>
-            <a:r>
-              <a:rPr kumimoji="0" lang="es-ES" smtClean="0"/>
-              <a:t>Haga clic para modificar el estilo de título del patrón</a:t>
-            </a:r>
-            <a:endParaRPr kumimoji="0" lang="en-US"/>
-          </a:p>
-        </p:txBody>
-      </p:sp>
-      <p:sp>
-        <p:nvSpPr>
-          <p:cNvPr id="3" name="2 Marcador de posición de imagen"/>
-          <p:cNvSpPr>
-            <a:spLocks noGrp="1"/>
-          </p:cNvSpPr>
-          <p:nvPr>
-            <p:ph type="pic" idx="1"/>
-          </p:nvPr>
-        </p:nvSpPr>
-        <p:spPr>
-          <a:xfrm>
-            <a:off x="2903805" y="1484808"/>
-            <a:ext cx="6247397" cy="5373192"/>
-          </a:xfrm>
-          <a:solidFill>
-            <a:schemeClr val="bg2">
-              <a:shade val="75000"/>
-            </a:schemeClr>
-          </a:solidFill>
-        </p:spPr>
-        <p:txBody>
-          <a:bodyPr/>
-          <a:lstStyle>
-            <a:lvl1pPr marL="0" indent="0">
-              <a:buNone/>
-              <a:defRPr sz="3200"/>
-            </a:lvl1pPr>
-            <a:lvl2pPr marL="457200" indent="0">
-              <a:buNone/>
-              <a:defRPr sz="2800"/>
-            </a:lvl2pPr>
-            <a:lvl3pPr marL="914400" indent="0">
-              <a:buNone/>
-              <a:defRPr sz="2400"/>
-            </a:lvl3pPr>
-            <a:lvl4pPr marL="1371600" indent="0">
-              <a:buNone/>
-              <a:defRPr sz="2000"/>
-            </a:lvl4pPr>
-            <a:lvl5pPr marL="1828800" indent="0">
-              <a:buNone/>
-              <a:defRPr sz="2000"/>
-            </a:lvl5pPr>
-            <a:lvl6pPr marL="2286000" indent="0">
-              <a:buNone/>
-              <a:defRPr sz="2000"/>
-            </a:lvl6pPr>
-            <a:lvl7pPr marL="2743200" indent="0">
-              <a:buNone/>
-              <a:defRPr sz="2000"/>
-            </a:lvl7pPr>
-            <a:lvl8pPr marL="3200400" indent="0">
-              <a:buNone/>
-              <a:defRPr sz="2000"/>
-            </a:lvl8pPr>
-            <a:lvl9pPr marL="3657600" indent="0">
-              <a:buNone/>
-              <a:defRPr sz="2000"/>
-            </a:lvl9pPr>
-            <a:extLst/>
-          </a:lstStyle>
-          <a:p>
-            <a:r>
-              <a:rPr kumimoji="0" lang="es-ES" smtClean="0"/>
-              <a:t>Haga clic en el icono para agregar una imagen</a:t>
-            </a:r>
-            <a:endParaRPr kumimoji="0" lang="en-US" dirty="0"/>
-          </a:p>
-        </p:txBody>
-      </p:sp>
-      <p:sp>
-        <p:nvSpPr>
-          <p:cNvPr id="4" name="3 Marcador de texto"/>
-          <p:cNvSpPr>
-            <a:spLocks noGrp="1"/>
-          </p:cNvSpPr>
-          <p:nvPr>
-            <p:ph type="body" sz="half" idx="2"/>
-          </p:nvPr>
-        </p:nvSpPr>
-        <p:spPr>
-          <a:xfrm>
-            <a:off x="164592" y="1728216"/>
-            <a:ext cx="2468880" cy="4572000"/>
-          </a:xfrm>
-        </p:spPr>
-        <p:txBody>
-          <a:bodyPr/>
-          <a:lstStyle>
-            <a:lvl1pPr marL="0" indent="0">
-              <a:buNone/>
-              <a:defRPr sz="1400"/>
-            </a:lvl1pPr>
-            <a:lvl2pPr marL="457200" indent="0">
-              <a:buNone/>
-              <a:defRPr sz="1200"/>
-            </a:lvl2pPr>
-            <a:lvl3pPr marL="914400" indent="0">
-              <a:buNone/>
-              <a:defRPr sz="1000"/>
-            </a:lvl3pPr>
-            <a:lvl4pPr marL="1371600" indent="0">
-              <a:buNone/>
-              <a:defRPr sz="900"/>
-            </a:lvl4pPr>
-            <a:lvl5pPr marL="1828800" indent="0">
-              <a:buNone/>
-              <a:defRPr sz="900"/>
-            </a:lvl5pPr>
-            <a:lvl6pPr marL="2286000" indent="0">
-              <a:buNone/>
-              <a:defRPr sz="900"/>
-            </a:lvl6pPr>
-            <a:lvl7pPr marL="2743200" indent="0">
-              <a:buNone/>
-              <a:defRPr sz="900"/>
-            </a:lvl7pPr>
-            <a:lvl8pPr marL="3200400" indent="0">
-              <a:buNone/>
-              <a:defRPr sz="900"/>
-            </a:lvl8pPr>
-            <a:lvl9pPr marL="3657600" indent="0">
-              <a:buNone/>
-              <a:defRPr sz="900"/>
-            </a:lvl9pPr>
-            <a:extLst/>
-          </a:lstStyle>
-          <a:p>
-            <a:pPr lvl="0" eaLnBrk="1" latinLnBrk="0" hangingPunct="1"/>
-            <a:r>
-              <a:rPr kumimoji="0" lang="es-ES" smtClean="0"/>
-              <a:t>Haga clic para modificar el estilo de texto del patrón</a:t>
-            </a:r>
-          </a:p>
-        </p:txBody>
-      </p:sp>
-      <p:sp>
-        <p:nvSpPr>
-          <p:cNvPr id="5" name="4 Marcador de fecha"/>
-          <p:cNvSpPr>
-            <a:spLocks noGrp="1"/>
-          </p:cNvSpPr>
-          <p:nvPr>
-            <p:ph type="dt" sz="half" idx="10"/>
-          </p:nvPr>
-        </p:nvSpPr>
-        <p:spPr>
-          <a:xfrm>
-            <a:off x="164592" y="1170432"/>
-            <a:ext cx="2523744" cy="201168"/>
-          </a:xfrm>
-        </p:spPr>
-        <p:txBody>
-          <a:bodyPr/>
-          <a:lstStyle/>
-          <a:p>
-            <a:fld id="{7676B861-67C7-495F-958C-3B13271A0771}" type="datetimeFigureOut">
-              <a:rPr lang="es-PE" smtClean="0"/>
-              <a:t>20/05/2011</a:t>
-            </a:fld>
-            <a:endParaRPr lang="es-PE"/>
-          </a:p>
-        </p:txBody>
-      </p:sp>
-      <p:sp>
-        <p:nvSpPr>
-          <p:cNvPr id="11" name="10 Rectángulo"/>
-          <p:cNvSpPr/>
-          <p:nvPr/>
-        </p:nvSpPr>
-        <p:spPr>
-          <a:xfrm>
-            <a:off x="2855737" y="0"/>
-            <a:ext cx="45720" cy="6858000"/>
-          </a:xfrm>
-          <a:prstGeom prst="rect">
-            <a:avLst/>
+          <a:prstGeom prst="roundRect">
+            <a:avLst>
+              <a:gd name="adj" fmla="val 2081"/>
+            </a:avLst>
           </a:prstGeom>
-          <a:solidFill>
-            <a:srgbClr val="FFFFFF"/>
-          </a:solidFill>
-          <a:ln w="48000" cap="flat" cmpd="thickThin" algn="ctr">
-            <a:noFill/>
+          <a:gradFill flip="none" rotWithShape="1">
+            <a:gsLst>
+              <a:gs pos="0">
+                <a:srgbClr val="FFFFFF">
+                  <a:shade val="100000"/>
+                </a:srgbClr>
+              </a:gs>
+              <a:gs pos="98000">
+                <a:srgbClr val="FFFFFF">
+                  <a:shade val="100000"/>
+                </a:srgbClr>
+              </a:gs>
+              <a:gs pos="99055">
+                <a:srgbClr val="FFFFFF">
+                  <a:shade val="93000"/>
+                </a:srgbClr>
+              </a:gs>
+              <a:gs pos="100000">
+                <a:srgbClr val="FFFFFF">
+                  <a:shade val="70000"/>
+                </a:srgbClr>
+              </a:gs>
+            </a:gsLst>
+            <a:lin ang="5400000" scaled="1"/>
+            <a:tileRect/>
+          </a:gradFill>
+          <a:ln w="2000" cap="rnd" cmpd="sng" algn="ctr">
+            <a:solidFill>
+              <a:srgbClr val="302F2C">
+                <a:tint val="65000"/>
+                <a:satMod val="120000"/>
+              </a:srgbClr>
+            </a:solidFill>
             <a:prstDash val="solid"/>
           </a:ln>
+          <a:effectLst>
+            <a:outerShdw blurRad="76200" dist="50800" dir="5400000" algn="tl" rotWithShape="0">
+              <a:srgbClr val="000000">
+                <a:alpha val="25000"/>
+              </a:srgbClr>
+            </a:outerShdw>
+          </a:effectLst>
         </p:spPr>
         <p:style>
-          <a:lnRef idx="2">
-            <a:schemeClr val="accent1"/>
+          <a:lnRef idx="3">
+            <a:schemeClr val="lt1"/>
           </a:lnRef>
           <a:fillRef idx="1">
             <a:schemeClr val="accent1"/>
           </a:fillRef>
-          <a:effectRef idx="0">
+          <a:effectRef idx="1">
             <a:schemeClr val="accent1"/>
           </a:effectRef>
           <a:fontRef idx="minor">
@@ -3002,7 +3236,7 @@
           </a:fontRef>
         </p:style>
         <p:txBody>
-          <a:bodyPr rtlCol="0" anchor="ctr"/>
+          <a:bodyPr anchor="ctr"/>
           <a:lstStyle>
             <a:extLst/>
           </a:lstStyle>
@@ -3014,34 +3248,59 @@
       </p:sp>
       <p:sp>
         <p:nvSpPr>
-          <p:cNvPr id="9" name="8 Rectángulo"/>
+          <p:cNvPr id="9" name="8 Rectángulo redondeado"/>
           <p:cNvSpPr/>
           <p:nvPr/>
         </p:nvSpPr>
-        <p:spPr bwMode="invGray">
+        <p:spPr>
           <a:xfrm>
-            <a:off x="2855737" y="0"/>
-            <a:ext cx="45720" cy="6858000"/>
+            <a:off x="418596" y="434162"/>
+            <a:ext cx="8306809" cy="5486400"/>
           </a:xfrm>
-          <a:prstGeom prst="rect">
-            <a:avLst/>
+          <a:prstGeom prst="roundRect">
+            <a:avLst>
+              <a:gd name="adj" fmla="val 2127"/>
+            </a:avLst>
           </a:prstGeom>
-          <a:solidFill>
-            <a:srgbClr val="FFFFFF"/>
-          </a:solidFill>
-          <a:ln w="48000" cap="flat" cmpd="thickThin" algn="ctr">
+          <a:gradFill rotWithShape="1">
+            <a:gsLst>
+              <a:gs pos="0">
+                <a:schemeClr val="bg1">
+                  <a:tint val="75000"/>
+                  <a:satMod val="150000"/>
+                </a:schemeClr>
+              </a:gs>
+              <a:gs pos="55000">
+                <a:schemeClr val="bg1">
+                  <a:shade val="75000"/>
+                  <a:satMod val="100000"/>
+                </a:schemeClr>
+              </a:gs>
+              <a:gs pos="100000">
+                <a:schemeClr val="bg1">
+                  <a:shade val="35000"/>
+                  <a:satMod val="100000"/>
+                </a:schemeClr>
+              </a:gs>
+            </a:gsLst>
+            <a:path path="circle">
+              <a:fillToRect l="50000" t="175000" r="50000" b="-75000"/>
+            </a:path>
+          </a:gradFill>
+          <a:ln w="8890" cap="rnd" cmpd="sng" algn="ctr">
             <a:noFill/>
             <a:prstDash val="solid"/>
           </a:ln>
+          <a:effectLst/>
         </p:spPr>
         <p:style>
-          <a:lnRef idx="2">
-            <a:schemeClr val="accent1"/>
+          <a:lnRef idx="3">
+            <a:schemeClr val="lt1"/>
           </a:lnRef>
           <a:fillRef idx="1">
             <a:schemeClr val="accent1"/>
           </a:fillRef>
-          <a:effectRef idx="0">
+          <a:effectRef idx="1">
             <a:schemeClr val="accent1"/>
           </a:effectRef>
           <a:fontRef idx="minor">
@@ -3049,7 +3308,7 @@
           </a:fontRef>
         </p:style>
         <p:txBody>
-          <a:bodyPr rtlCol="0" anchor="ctr"/>
+          <a:bodyPr anchor="ctr"/>
           <a:lstStyle>
             <a:extLst/>
           </a:lstStyle>
@@ -3061,332 +3320,211 @@
       </p:sp>
       <p:sp>
         <p:nvSpPr>
-          <p:cNvPr id="6" name="5 Marcador de pie de página"/>
-          <p:cNvSpPr>
-            <a:spLocks noGrp="1"/>
-          </p:cNvSpPr>
-          <p:nvPr>
-            <p:ph type="ftr" sz="quarter" idx="11"/>
+          <p:cNvPr id="13" name="12 Marcador de título"/>
+          <p:cNvSpPr>
+            <a:spLocks noGrp="1"/>
+          </p:cNvSpPr>
+          <p:nvPr>
+            <p:ph type="title"/>
           </p:nvPr>
         </p:nvSpPr>
         <p:spPr>
           <a:xfrm>
-            <a:off x="3035808" y="1170432"/>
-            <a:ext cx="5193792" cy="201168"/>
+            <a:off x="502920" y="4985590"/>
+            <a:ext cx="8183880" cy="1051560"/>
           </a:xfrm>
+          <a:prstGeom prst="rect">
+            <a:avLst/>
+          </a:prstGeom>
         </p:spPr>
         <p:txBody>
-          <a:bodyPr/>
-          <a:lstStyle>
-            <a:lvl1pPr>
-              <a:defRPr>
+          <a:bodyPr vert="horz" anchor="b">
+            <a:normAutofit/>
+          </a:bodyPr>
+          <a:lstStyle>
+            <a:extLst/>
+          </a:lstStyle>
+          <a:p>
+            <a:r>
+              <a:rPr kumimoji="0" lang="es-ES" smtClean="0"/>
+              <a:t>Haga clic para modificar el estilo de título del patrón</a:t>
+            </a:r>
+            <a:endParaRPr kumimoji="0" lang="en-US"/>
+          </a:p>
+        </p:txBody>
+      </p:sp>
+      <p:sp>
+        <p:nvSpPr>
+          <p:cNvPr id="4" name="3 Marcador de texto"/>
+          <p:cNvSpPr>
+            <a:spLocks noGrp="1"/>
+          </p:cNvSpPr>
+          <p:nvPr>
+            <p:ph type="body" idx="1"/>
+          </p:nvPr>
+        </p:nvSpPr>
+        <p:spPr>
+          <a:xfrm>
+            <a:off x="502920" y="530352"/>
+            <a:ext cx="8183880" cy="4187952"/>
+          </a:xfrm>
+          <a:prstGeom prst="rect">
+            <a:avLst/>
+          </a:prstGeom>
+        </p:spPr>
+        <p:txBody>
+          <a:bodyPr vert="horz" lIns="182880" tIns="91440">
+            <a:normAutofit/>
+          </a:bodyPr>
+          <a:lstStyle>
+            <a:extLst/>
+          </a:lstStyle>
+          <a:p>
+            <a:pPr lvl="0" eaLnBrk="1" latinLnBrk="0" hangingPunct="1"/>
+            <a:r>
+              <a:rPr kumimoji="0" lang="es-ES" smtClean="0"/>
+              <a:t>Haga clic para modificar el estilo de texto del patrón</a:t>
+            </a:r>
+          </a:p>
+          <a:p>
+            <a:pPr lvl="1" eaLnBrk="1" latinLnBrk="0" hangingPunct="1"/>
+            <a:r>
+              <a:rPr kumimoji="0" lang="es-ES" smtClean="0"/>
+              <a:t>Segundo nivel</a:t>
+            </a:r>
+          </a:p>
+          <a:p>
+            <a:pPr lvl="2" eaLnBrk="1" latinLnBrk="0" hangingPunct="1"/>
+            <a:r>
+              <a:rPr kumimoji="0" lang="es-ES" smtClean="0"/>
+              <a:t>Tercer nivel</a:t>
+            </a:r>
+          </a:p>
+          <a:p>
+            <a:pPr lvl="3" eaLnBrk="1" latinLnBrk="0" hangingPunct="1"/>
+            <a:r>
+              <a:rPr kumimoji="0" lang="es-ES" smtClean="0"/>
+              <a:t>Cuarto nivel</a:t>
+            </a:r>
+          </a:p>
+          <a:p>
+            <a:pPr lvl="4" eaLnBrk="1" latinLnBrk="0" hangingPunct="1"/>
+            <a:r>
+              <a:rPr kumimoji="0" lang="es-ES" smtClean="0"/>
+              <a:t>Quinto nivel</a:t>
+            </a:r>
+            <a:endParaRPr kumimoji="0" lang="en-US"/>
+          </a:p>
+        </p:txBody>
+      </p:sp>
+      <p:sp>
+        <p:nvSpPr>
+          <p:cNvPr id="25" name="24 Marcador de fecha"/>
+          <p:cNvSpPr>
+            <a:spLocks noGrp="1"/>
+          </p:cNvSpPr>
+          <p:nvPr>
+            <p:ph type="dt" sz="half" idx="2"/>
+          </p:nvPr>
+        </p:nvSpPr>
+        <p:spPr>
+          <a:xfrm>
+            <a:off x="3776328" y="6111875"/>
+            <a:ext cx="2286000" cy="365125"/>
+          </a:xfrm>
+          <a:prstGeom prst="rect">
+            <a:avLst/>
+          </a:prstGeom>
+        </p:spPr>
+        <p:txBody>
+          <a:bodyPr vert="horz" anchor="b"/>
+          <a:lstStyle>
+            <a:lvl1pPr algn="r" eaLnBrk="1" latinLnBrk="0" hangingPunct="1">
+              <a:defRPr kumimoji="0" sz="1000">
                 <a:solidFill>
-                  <a:schemeClr val="bg1">
+                  <a:schemeClr val="bg2">
                     <a:shade val="50000"/>
                   </a:schemeClr>
                 </a:solidFill>
               </a:defRPr>
             </a:lvl1pPr>
-          </a:lstStyle>
-          <a:p>
+            <a:extLst/>
+          </a:lstStyle>
+          <a:p>
+            <a:fld id="{7676B861-67C7-495F-958C-3B13271A0771}" type="datetimeFigureOut">
+              <a:rPr lang="es-PE" smtClean="0"/>
+              <a:pPr/>
+              <a:t>20/05/2011</a:t>
+            </a:fld>
             <a:endParaRPr lang="es-PE"/>
           </a:p>
         </p:txBody>
       </p:sp>
       <p:sp>
         <p:nvSpPr>
-          <p:cNvPr id="7" name="6 Marcador de número de diapositiva"/>
-          <p:cNvSpPr>
-            <a:spLocks noGrp="1"/>
-          </p:cNvSpPr>
-          <p:nvPr>
-            <p:ph type="sldNum" sz="quarter" idx="12"/>
+          <p:cNvPr id="18" name="17 Marcador de pie de página"/>
+          <p:cNvSpPr>
+            <a:spLocks noGrp="1"/>
+          </p:cNvSpPr>
+          <p:nvPr>
+            <p:ph type="ftr" sz="quarter" idx="3"/>
           </p:nvPr>
         </p:nvSpPr>
         <p:spPr>
           <a:xfrm>
-            <a:off x="8339328" y="1170432"/>
-            <a:ext cx="733864" cy="201168"/>
-          </a:xfrm>
-        </p:spPr>
-        <p:txBody>
-          <a:bodyPr/>
-          <a:lstStyle/>
-          <a:p>
-            <a:fld id="{CBD21332-99BB-4B68-9663-82F8D110D43B}" type="slidenum">
-              <a:rPr lang="es-PE" smtClean="0"/>
-              <a:t>‹Nº›</a:t>
-            </a:fld>
-            <a:endParaRPr lang="es-PE"/>
-          </a:p>
-        </p:txBody>
-      </p:sp>
-    </p:spTree>
-  </p:cSld>
-  <p:clrMapOvr>
-    <a:overrideClrMapping bg1="lt1" tx1="dk1" bg2="lt2" tx2="dk2" accent1="accent1" accent2="accent2" accent3="accent3" accent4="accent4" accent5="accent5" accent6="accent6" hlink="hlink" folHlink="folHlink"/>
-  </p:clrMapOvr>
-</p:sldLayout>
-</file>
-
-<file path=ppt/slideMasters/slideMaster1.xml><?xml version="1.0" encoding="utf-8"?>
-<p:sldMaster xmlns:a="http://schemas.openxmlformats.org/drawingml/2006/main" xmlns:r="http://schemas.openxmlformats.org/officeDocument/2006/relationships" xmlns:p="http://schemas.openxmlformats.org/presentationml/2006/main">
-  <p:cSld>
-    <p:bg>
-      <p:bgRef idx="1001">
-        <a:schemeClr val="bg1"/>
-      </p:bgRef>
-    </p:bg>
-    <p:spTree>
-      <p:nvGrpSpPr>
-        <p:cNvPr id="1" name=""/>
-        <p:cNvGrpSpPr/>
-        <p:nvPr/>
-      </p:nvGrpSpPr>
-      <p:grpSpPr>
-        <a:xfrm>
-          <a:off x="0" y="0"/>
-          <a:ext cx="0" cy="0"/>
-          <a:chOff x="0" y="0"/>
-          <a:chExt cx="0" cy="0"/>
-        </a:xfrm>
-      </p:grpSpPr>
-      <p:sp>
-        <p:nvSpPr>
-          <p:cNvPr id="10" name="9 Rectángulo"/>
-          <p:cNvSpPr/>
-          <p:nvPr/>
-        </p:nvSpPr>
-        <p:spPr bwMode="invGray">
-          <a:xfrm>
-            <a:off x="0" y="1435895"/>
-            <a:ext cx="9144000" cy="45720"/>
-          </a:xfrm>
-          <a:prstGeom prst="rect">
-            <a:avLst/>
-          </a:prstGeom>
-          <a:solidFill>
-            <a:srgbClr val="FFFFFF"/>
-          </a:solidFill>
-          <a:ln w="48000" cap="flat" cmpd="thickThin" algn="ctr">
-            <a:noFill/>
-            <a:prstDash val="solid"/>
-          </a:ln>
-          <a:effectLst>
-            <a:outerShdw blurRad="31750" dist="10160" dir="5400000" algn="tl" rotWithShape="0">
-              <a:srgbClr val="000000">
-                <a:alpha val="60000"/>
-              </a:srgbClr>
-            </a:outerShdw>
-          </a:effectLst>
-        </p:spPr>
-        <p:style>
-          <a:lnRef idx="2">
-            <a:schemeClr val="accent1"/>
-          </a:lnRef>
-          <a:fillRef idx="1">
-            <a:schemeClr val="accent1"/>
-          </a:fillRef>
-          <a:effectRef idx="0">
-            <a:schemeClr val="accent1"/>
-          </a:effectRef>
-          <a:fontRef idx="minor">
-            <a:schemeClr val="lt1"/>
-          </a:fontRef>
-        </p:style>
-        <p:txBody>
-          <a:bodyPr rtlCol="0" anchor="ctr"/>
-          <a:lstStyle>
-            <a:extLst/>
-          </a:lstStyle>
-          <a:p>
-            <a:pPr algn="ctr" eaLnBrk="1" latinLnBrk="0" hangingPunct="1"/>
-            <a:endParaRPr kumimoji="0" lang="en-US"/>
-          </a:p>
-        </p:txBody>
-      </p:sp>
-      <p:sp>
-        <p:nvSpPr>
-          <p:cNvPr id="7" name="6 Rectángulo"/>
-          <p:cNvSpPr/>
-          <p:nvPr/>
-        </p:nvSpPr>
-        <p:spPr bwMode="ltGray">
-          <a:xfrm>
-            <a:off x="0" y="0"/>
-            <a:ext cx="9143999" cy="1433733"/>
-          </a:xfrm>
-          <a:prstGeom prst="rect">
-            <a:avLst/>
-          </a:prstGeom>
-          <a:solidFill>
-            <a:srgbClr val="000000"/>
-          </a:solidFill>
-          <a:ln w="48000" cap="flat" cmpd="thickThin" algn="ctr">
-            <a:noFill/>
-            <a:prstDash val="solid"/>
-          </a:ln>
-        </p:spPr>
-        <p:style>
-          <a:lnRef idx="2">
-            <a:schemeClr val="accent1"/>
-          </a:lnRef>
-          <a:fillRef idx="1">
-            <a:schemeClr val="accent1"/>
-          </a:fillRef>
-          <a:effectRef idx="0">
-            <a:schemeClr val="accent1"/>
-          </a:effectRef>
-          <a:fontRef idx="minor">
-            <a:schemeClr val="lt1"/>
-          </a:fontRef>
-        </p:style>
-        <p:txBody>
-          <a:bodyPr rtlCol="0" anchor="ctr"/>
-          <a:lstStyle>
-            <a:extLst/>
-          </a:lstStyle>
-          <a:p>
-            <a:pPr algn="ctr" eaLnBrk="1" latinLnBrk="0" hangingPunct="1"/>
-            <a:endParaRPr kumimoji="0" lang="en-US"/>
-          </a:p>
-        </p:txBody>
-      </p:sp>
-      <p:sp>
-        <p:nvSpPr>
-          <p:cNvPr id="2" name="1 Marcador de título"/>
-          <p:cNvSpPr>
-            <a:spLocks noGrp="1"/>
-          </p:cNvSpPr>
-          <p:nvPr>
-            <p:ph type="title"/>
-          </p:nvPr>
-        </p:nvSpPr>
-        <p:spPr>
-          <a:xfrm>
-            <a:off x="457200" y="152400"/>
-            <a:ext cx="8229600" cy="1251062"/>
+            <a:off x="6062328" y="6111875"/>
+            <a:ext cx="2286000" cy="365125"/>
           </a:xfrm>
           <a:prstGeom prst="rect">
             <a:avLst/>
           </a:prstGeom>
         </p:spPr>
         <p:txBody>
-          <a:bodyPr vert="horz" lIns="91440" rIns="45720" rtlCol="0" anchor="ctr">
-            <a:normAutofit/>
-            <a:scene3d>
-              <a:camera prst="orthographicFront"/>
-              <a:lightRig rig="threePt" dir="t">
-                <a:rot lat="0" lon="0" rev="4800000"/>
-              </a:lightRig>
-            </a:scene3d>
-            <a:sp3d prstMaterial="matte">
-              <a:bevelT w="50800" h="10160"/>
-            </a:sp3d>
-          </a:bodyPr>
-          <a:lstStyle>
-            <a:extLst/>
-          </a:lstStyle>
-          <a:p>
-            <a:r>
-              <a:rPr kumimoji="0" lang="es-ES" smtClean="0"/>
-              <a:t>Haga clic para modificar el estilo de título del patrón</a:t>
-            </a:r>
-            <a:endParaRPr kumimoji="0" lang="en-US"/>
-          </a:p>
-        </p:txBody>
-      </p:sp>
-      <p:sp>
-        <p:nvSpPr>
-          <p:cNvPr id="3" name="2 Marcador de texto"/>
-          <p:cNvSpPr>
-            <a:spLocks noGrp="1"/>
-          </p:cNvSpPr>
-          <p:nvPr>
-            <p:ph type="body" idx="1"/>
+          <a:bodyPr vert="horz" anchor="b"/>
+          <a:lstStyle>
+            <a:lvl1pPr algn="l" eaLnBrk="1" latinLnBrk="0" hangingPunct="1">
+              <a:defRPr kumimoji="0" sz="1000">
+                <a:solidFill>
+                  <a:schemeClr val="bg2">
+                    <a:shade val="50000"/>
+                  </a:schemeClr>
+                </a:solidFill>
+              </a:defRPr>
+            </a:lvl1pPr>
+            <a:extLst/>
+          </a:lstStyle>
+          <a:p>
+            <a:endParaRPr lang="es-PE"/>
+          </a:p>
+        </p:txBody>
+      </p:sp>
+      <p:sp>
+        <p:nvSpPr>
+          <p:cNvPr id="5" name="4 Marcador de número de diapositiva"/>
+          <p:cNvSpPr>
+            <a:spLocks noGrp="1"/>
+          </p:cNvSpPr>
+          <p:nvPr>
+            <p:ph type="sldNum" sz="quarter" idx="4"/>
           </p:nvPr>
         </p:nvSpPr>
         <p:spPr>
           <a:xfrm>
-            <a:off x="457200" y="1775191"/>
-            <a:ext cx="8229600" cy="4625609"/>
+            <a:off x="8348328" y="6111875"/>
+            <a:ext cx="457200" cy="365125"/>
           </a:xfrm>
           <a:prstGeom prst="rect">
             <a:avLst/>
           </a:prstGeom>
         </p:spPr>
         <p:txBody>
-          <a:bodyPr vert="horz" lIns="54864" tIns="91440" rtlCol="0">
-            <a:normAutofit/>
-          </a:bodyPr>
-          <a:lstStyle>
-            <a:extLst/>
-          </a:lstStyle>
-          <a:p>
-            <a:pPr lvl="0" eaLnBrk="1" latinLnBrk="0" hangingPunct="1"/>
-            <a:r>
-              <a:rPr kumimoji="0" lang="es-ES" smtClean="0"/>
-              <a:t>Haga clic para modificar el estilo de texto del patrón</a:t>
-            </a:r>
-          </a:p>
-          <a:p>
-            <a:pPr lvl="1" eaLnBrk="1" latinLnBrk="0" hangingPunct="1"/>
-            <a:r>
-              <a:rPr kumimoji="0" lang="es-ES" smtClean="0"/>
-              <a:t>Segundo nivel</a:t>
-            </a:r>
-          </a:p>
-          <a:p>
-            <a:pPr lvl="2" eaLnBrk="1" latinLnBrk="0" hangingPunct="1"/>
-            <a:r>
-              <a:rPr kumimoji="0" lang="es-ES" smtClean="0"/>
-              <a:t>Tercer nivel</a:t>
-            </a:r>
-          </a:p>
-          <a:p>
-            <a:pPr lvl="3" eaLnBrk="1" latinLnBrk="0" hangingPunct="1"/>
-            <a:r>
-              <a:rPr kumimoji="0" lang="es-ES" smtClean="0"/>
-              <a:t>Cuarto nivel</a:t>
-            </a:r>
-          </a:p>
-          <a:p>
-            <a:pPr lvl="4" eaLnBrk="1" latinLnBrk="0" hangingPunct="1"/>
-            <a:r>
-              <a:rPr kumimoji="0" lang="es-ES" smtClean="0"/>
-              <a:t>Quinto nivel</a:t>
-            </a:r>
-            <a:endParaRPr kumimoji="0" lang="en-US"/>
-          </a:p>
-        </p:txBody>
-      </p:sp>
-      <p:sp>
-        <p:nvSpPr>
-          <p:cNvPr id="4" name="3 Marcador de fecha"/>
-          <p:cNvSpPr>
-            <a:spLocks noGrp="1"/>
-          </p:cNvSpPr>
-          <p:nvPr>
-            <p:ph type="dt" sz="half" idx="2"/>
-          </p:nvPr>
-        </p:nvSpPr>
-        <p:spPr>
-          <a:xfrm>
-            <a:off x="457200" y="6476999"/>
-            <a:ext cx="2133600" cy="274320"/>
-          </a:xfrm>
-          <a:prstGeom prst="rect">
-            <a:avLst/>
-          </a:prstGeom>
-        </p:spPr>
-        <p:txBody>
-          <a:bodyPr vert="horz" lIns="109728" rIns="45720" bIns="0" rtlCol="0" anchor="b"/>
-          <a:lstStyle>
-            <a:lvl1pPr algn="l" eaLnBrk="1" latinLnBrk="0" hangingPunct="1">
-              <a:defRPr kumimoji="0" sz="1200">
+          <a:bodyPr vert="horz" anchor="b"/>
+          <a:lstStyle>
+            <a:lvl1pPr algn="r" eaLnBrk="1" latinLnBrk="0" hangingPunct="1">
+              <a:defRPr kumimoji="0" sz="1000">
                 <a:solidFill>
-                  <a:schemeClr val="tx1">
-                    <a:tint val="95000"/>
+                  <a:schemeClr val="bg2">
+                    <a:shade val="50000"/>
                   </a:schemeClr>
                 </a:solidFill>
               </a:defRPr>
@@ -3394,88 +3532,9 @@
             <a:extLst/>
           </a:lstStyle>
           <a:p>
-            <a:fld id="{7676B861-67C7-495F-958C-3B13271A0771}" type="datetimeFigureOut">
-              <a:rPr lang="es-PE" smtClean="0"/>
-              <a:t>20/05/2011</a:t>
-            </a:fld>
-            <a:endParaRPr lang="es-PE"/>
-          </a:p>
-        </p:txBody>
-      </p:sp>
-      <p:sp>
-        <p:nvSpPr>
-          <p:cNvPr id="5" name="4 Marcador de pie de página"/>
-          <p:cNvSpPr>
-            <a:spLocks noGrp="1"/>
-          </p:cNvSpPr>
-          <p:nvPr>
-            <p:ph type="ftr" sz="quarter" idx="3"/>
-          </p:nvPr>
-        </p:nvSpPr>
-        <p:spPr>
-          <a:xfrm>
-            <a:off x="2640596" y="6476999"/>
-            <a:ext cx="5507719" cy="274320"/>
-          </a:xfrm>
-          <a:prstGeom prst="rect">
-            <a:avLst/>
-          </a:prstGeom>
-        </p:spPr>
-        <p:txBody>
-          <a:bodyPr vert="horz" lIns="45720" rIns="45720" bIns="0" rtlCol="0" anchor="b"/>
-          <a:lstStyle>
-            <a:lvl1pPr algn="l" eaLnBrk="1" latinLnBrk="0" hangingPunct="1">
-              <a:defRPr kumimoji="0" sz="1200">
-                <a:solidFill>
-                  <a:schemeClr val="tx1">
-                    <a:tint val="95000"/>
-                  </a:schemeClr>
-                </a:solidFill>
-              </a:defRPr>
-            </a:lvl1pPr>
-            <a:extLst/>
-          </a:lstStyle>
-          <a:p>
-            <a:endParaRPr lang="es-PE"/>
-          </a:p>
-        </p:txBody>
-      </p:sp>
-      <p:sp>
-        <p:nvSpPr>
-          <p:cNvPr id="6" name="5 Marcador de número de diapositiva"/>
-          <p:cNvSpPr>
-            <a:spLocks noGrp="1"/>
-          </p:cNvSpPr>
-          <p:nvPr>
-            <p:ph type="sldNum" sz="quarter" idx="4"/>
-          </p:nvPr>
-        </p:nvSpPr>
-        <p:spPr>
-          <a:xfrm>
-            <a:off x="8204396" y="6476999"/>
-            <a:ext cx="733864" cy="274320"/>
-          </a:xfrm>
-          <a:prstGeom prst="rect">
-            <a:avLst/>
-          </a:prstGeom>
-        </p:spPr>
-        <p:txBody>
-          <a:bodyPr vert="horz" bIns="0" rtlCol="0" anchor="b"/>
-          <a:lstStyle>
-            <a:lvl1pPr algn="r" eaLnBrk="1" latinLnBrk="0" hangingPunct="1">
-              <a:defRPr kumimoji="0" sz="1200">
-                <a:solidFill>
-                  <a:schemeClr val="tx1">
-                    <a:tint val="95000"/>
-                  </a:schemeClr>
-                </a:solidFill>
-              </a:defRPr>
-            </a:lvl1pPr>
-            <a:extLst/>
-          </a:lstStyle>
-          <a:p>
             <a:fld id="{CBD21332-99BB-4B68-9663-82F8D110D43B}" type="slidenum">
               <a:rPr lang="es-PE" smtClean="0"/>
+              <a:pPr/>
               <a:t>‹Nº›</a:t>
             </a:fld>
             <a:endParaRPr lang="es-PE"/>
@@ -3486,17 +3545,17 @@
   </p:cSld>
   <p:clrMap bg1="lt1" tx1="dk1" bg2="lt2" tx2="dk2" accent1="accent1" accent2="accent2" accent3="accent3" accent4="accent4" accent5="accent5" accent6="accent6" hlink="hlink" folHlink="folHlink"/>
   <p:sldLayoutIdLst>
-    <p:sldLayoutId id="2147483709" r:id="rId1"/>
-    <p:sldLayoutId id="2147483710" r:id="rId2"/>
-    <p:sldLayoutId id="2147483711" r:id="rId3"/>
-    <p:sldLayoutId id="2147483712" r:id="rId4"/>
-    <p:sldLayoutId id="2147483713" r:id="rId5"/>
-    <p:sldLayoutId id="2147483714" r:id="rId6"/>
-    <p:sldLayoutId id="2147483715" r:id="rId7"/>
-    <p:sldLayoutId id="2147483716" r:id="rId8"/>
-    <p:sldLayoutId id="2147483717" r:id="rId9"/>
-    <p:sldLayoutId id="2147483718" r:id="rId10"/>
-    <p:sldLayoutId id="2147483719" r:id="rId11"/>
+    <p:sldLayoutId id="2147483721" r:id="rId1"/>
+    <p:sldLayoutId id="2147483722" r:id="rId2"/>
+    <p:sldLayoutId id="2147483723" r:id="rId3"/>
+    <p:sldLayoutId id="2147483724" r:id="rId4"/>
+    <p:sldLayoutId id="2147483725" r:id="rId5"/>
+    <p:sldLayoutId id="2147483726" r:id="rId6"/>
+    <p:sldLayoutId id="2147483727" r:id="rId7"/>
+    <p:sldLayoutId id="2147483728" r:id="rId8"/>
+    <p:sldLayoutId id="2147483729" r:id="rId9"/>
+    <p:sldLayoutId id="2147483730" r:id="rId10"/>
+    <p:sldLayoutId id="2147483731" r:id="rId11"/>
   </p:sldLayoutIdLst>
   <p:txStyles>
     <p:titleStyle>
@@ -3505,13 +3564,20 @@
           <a:spcPct val="0"/>
         </a:spcBef>
         <a:buNone/>
-        <a:defRPr kumimoji="0" sz="4500" b="1" kern="1200">
+        <a:defRPr kumimoji="0" sz="3600" b="1" kern="1200">
           <a:solidFill>
             <a:schemeClr val="accent1">
+              <a:tint val="88000"/>
               <a:satMod val="150000"/>
             </a:schemeClr>
           </a:solidFill>
-          <a:effectLst/>
+          <a:effectLst>
+            <a:outerShdw blurRad="53975" dist="22860" dir="5400000" algn="tl" rotWithShape="0">
+              <a:srgbClr val="000000">
+                <a:alpha val="55000"/>
+              </a:srgbClr>
+            </a:outerShdw>
+          </a:effectLst>
           <a:latin typeface="+mj-lt"/>
           <a:ea typeface="+mj-ea"/>
           <a:cs typeface="+mj-cs"/>
@@ -3520,36 +3586,37 @@
       <a:extLst/>
     </p:titleStyle>
     <p:bodyStyle>
-      <a:lvl1pPr marL="438912" indent="-320040" algn="l" rtl="0" eaLnBrk="1" latinLnBrk="0" hangingPunct="1">
+      <a:lvl1pPr marL="265176" indent="-265176" algn="l" rtl="0" eaLnBrk="1" latinLnBrk="0" hangingPunct="1">
         <a:spcBef>
-          <a:spcPts val="0"/>
+          <a:spcPts val="250"/>
         </a:spcBef>
         <a:buClr>
           <a:schemeClr val="accent1"/>
         </a:buClr>
         <a:buSzPct val="80000"/>
         <a:buFont typeface="Wingdings 2"/>
-        <a:buChar char=""/>
-        <a:defRPr kumimoji="0" sz="3200" kern="1200">
+        <a:buChar char=""/>
+        <a:defRPr kumimoji="0" sz="2800" kern="1200">
           <a:solidFill>
             <a:schemeClr val="tx1"/>
           </a:solidFill>
+          <a:effectLst/>
           <a:latin typeface="+mn-lt"/>
           <a:ea typeface="+mn-ea"/>
           <a:cs typeface="+mn-cs"/>
         </a:defRPr>
       </a:lvl1pPr>
-      <a:lvl2pPr marL="731520" indent="-274320" algn="l" rtl="0" eaLnBrk="1" latinLnBrk="0" hangingPunct="1">
+      <a:lvl2pPr marL="548640" indent="-201168" algn="l" rtl="0" eaLnBrk="1" latinLnBrk="0" hangingPunct="1">
         <a:spcBef>
-          <a:spcPct val="20000"/>
+          <a:spcPts val="250"/>
         </a:spcBef>
         <a:buClr>
-          <a:schemeClr val="accent2"/>
+          <a:schemeClr val="accent1"/>
         </a:buClr>
-        <a:buSzPct val="90000"/>
-        <a:buFont typeface="Wingdings"/>
-        <a:buChar char=""/>
-        <a:defRPr kumimoji="0" sz="2800" kern="1200">
+        <a:buSzPct val="100000"/>
+        <a:buFont typeface="Verdana"/>
+        <a:buChar char="◦"/>
+        <a:defRPr kumimoji="0" sz="2400" kern="1200">
           <a:solidFill>
             <a:schemeClr val="tx1"/>
           </a:solidFill>
@@ -3558,16 +3625,20 @@
           <a:cs typeface="+mn-cs"/>
         </a:defRPr>
       </a:lvl2pPr>
-      <a:lvl3pPr marL="996696" indent="-228600" algn="l" rtl="0" eaLnBrk="1" latinLnBrk="0" hangingPunct="1">
+      <a:lvl3pPr marL="786384" indent="-182880" algn="l" rtl="0" eaLnBrk="1" latinLnBrk="0" hangingPunct="1">
         <a:spcBef>
-          <a:spcPct val="20000"/>
+          <a:spcPts val="250"/>
         </a:spcBef>
         <a:buClr>
-          <a:schemeClr val="accent3"/>
+          <a:schemeClr val="accent2">
+            <a:tint val="85000"/>
+            <a:satMod val="285000"/>
+          </a:schemeClr>
         </a:buClr>
-        <a:buFont typeface="Arial"/>
-        <a:buChar char="▪"/>
-        <a:defRPr kumimoji="0" sz="2400" kern="1200">
+        <a:buSzPct val="100000"/>
+        <a:buFont typeface="Wingdings 2"/>
+        <a:buChar char=""/>
+        <a:defRPr kumimoji="0" sz="2200" kern="1200">
           <a:solidFill>
             <a:schemeClr val="tx1"/>
           </a:solidFill>
@@ -3576,16 +3647,20 @@
           <a:cs typeface="+mn-cs"/>
         </a:defRPr>
       </a:lvl3pPr>
-      <a:lvl4pPr marL="1216152" indent="-182880" algn="l" rtl="0" eaLnBrk="1" latinLnBrk="0" hangingPunct="1">
+      <a:lvl4pPr marL="1024128" indent="-182880" algn="l" rtl="0" eaLnBrk="1" latinLnBrk="0" hangingPunct="1">
         <a:spcBef>
-          <a:spcPct val="20000"/>
+          <a:spcPts val="230"/>
         </a:spcBef>
         <a:buClr>
-          <a:schemeClr val="accent4"/>
+          <a:schemeClr val="accent2">
+            <a:tint val="85000"/>
+            <a:satMod val="285000"/>
+          </a:schemeClr>
         </a:buClr>
-        <a:buFont typeface="Arial"/>
-        <a:buChar char="▪"/>
-        <a:defRPr kumimoji="0" sz="2000" kern="1200">
+        <a:buSzPct val="112000"/>
+        <a:buFont typeface="Verdana"/>
+        <a:buChar char="◦"/>
+        <a:defRPr kumimoji="0" sz="1900" kern="1200">
           <a:solidFill>
             <a:schemeClr val="tx1"/>
           </a:solidFill>
@@ -3594,49 +3669,15 @@
           <a:cs typeface="+mn-cs"/>
         </a:defRPr>
       </a:lvl4pPr>
-      <a:lvl5pPr marL="1426464" indent="-182880" algn="l" rtl="0" eaLnBrk="1" latinLnBrk="0" hangingPunct="1">
+      <a:lvl5pPr marL="1280160" indent="-182880" algn="l" rtl="0" eaLnBrk="1" latinLnBrk="0" hangingPunct="1">
         <a:spcBef>
-          <a:spcPct val="20000"/>
+          <a:spcPts val="250"/>
         </a:spcBef>
         <a:buClr>
-          <a:schemeClr val="accent5"/>
-        </a:buClr>
-        <a:buFont typeface="Wingdings 3"/>
-        <a:buChar char=""/>
-        <a:defRPr kumimoji="0" lang="en-US" sz="2000" kern="1200" smtClean="0">
-          <a:solidFill>
-            <a:schemeClr val="tx1"/>
-          </a:solidFill>
-          <a:latin typeface="+mn-lt"/>
-          <a:ea typeface="+mn-ea"/>
-          <a:cs typeface="+mn-cs"/>
-        </a:defRPr>
-      </a:lvl5pPr>
-      <a:lvl6pPr marL="1627632" indent="-182880" algn="l" rtl="0" eaLnBrk="1" latinLnBrk="0" hangingPunct="1">
-        <a:spcBef>
-          <a:spcPct val="20000"/>
-        </a:spcBef>
-        <a:buClr>
-          <a:schemeClr val="accent6"/>
-        </a:buClr>
-        <a:buSzPct val="100000"/>
-        <a:buFont typeface="Wingdings 2"/>
-        <a:buChar char=""/>
-        <a:defRPr kumimoji="0" sz="2000" kern="1200">
-          <a:solidFill>
-            <a:schemeClr val="tx1"/>
-          </a:solidFill>
-          <a:latin typeface="+mn-lt"/>
-          <a:ea typeface="+mn-ea"/>
-          <a:cs typeface="+mn-cs"/>
-        </a:defRPr>
-      </a:lvl6pPr>
-      <a:lvl7pPr marL="1828800" indent="-182880" algn="l" rtl="0" eaLnBrk="1" latinLnBrk="0" hangingPunct="1">
-        <a:spcBef>
-          <a:spcPct val="20000"/>
-        </a:spcBef>
-        <a:buClr>
-          <a:schemeClr val="accent1"/>
+          <a:schemeClr val="accent3">
+            <a:tint val="85000"/>
+            <a:satMod val="275000"/>
+          </a:schemeClr>
         </a:buClr>
         <a:buSzPct val="100000"/>
         <a:buFont typeface="Wingdings 2"/>
@@ -3649,17 +3690,65 @@
           <a:ea typeface="+mn-ea"/>
           <a:cs typeface="+mn-cs"/>
         </a:defRPr>
-      </a:lvl7pPr>
-      <a:lvl8pPr marL="2029968" indent="-182880" algn="l" rtl="0" eaLnBrk="1" latinLnBrk="0" hangingPunct="1">
+      </a:lvl5pPr>
+      <a:lvl6pPr marL="1490472" indent="-182880" algn="l" rtl="0" eaLnBrk="1" latinLnBrk="0" hangingPunct="1">
         <a:spcBef>
-          <a:spcPct val="20000"/>
+          <a:spcPts val="250"/>
         </a:spcBef>
         <a:buClr>
-          <a:schemeClr val="accent2"/>
+          <a:schemeClr val="accent3">
+            <a:tint val="85000"/>
+            <a:satMod val="275000"/>
+          </a:schemeClr>
         </a:buClr>
-        <a:buFont typeface="Wingdings 2" pitchFamily="18" charset="2"/>
+        <a:buSzPct val="100000"/>
+        <a:buFont typeface="Verdana"/>
+        <a:buChar char="◦"/>
+        <a:defRPr kumimoji="0" sz="1700" kern="1200" baseline="0">
+          <a:solidFill>
+            <a:schemeClr val="tx1"/>
+          </a:solidFill>
+          <a:latin typeface="+mn-lt"/>
+          <a:ea typeface="+mn-ea"/>
+          <a:cs typeface="+mn-cs"/>
+        </a:defRPr>
+      </a:lvl6pPr>
+      <a:lvl7pPr marL="1700784" indent="-182880" algn="l" rtl="0" eaLnBrk="1" latinLnBrk="0" hangingPunct="1">
+        <a:spcBef>
+          <a:spcPts val="255"/>
+        </a:spcBef>
+        <a:buClr>
+          <a:schemeClr val="accent3">
+            <a:tint val="85000"/>
+            <a:satMod val="275000"/>
+          </a:schemeClr>
+        </a:buClr>
+        <a:buSzPct val="100000"/>
+        <a:buFont typeface="Wingdings 2"/>
         <a:buChar char=""/>
-        <a:defRPr kumimoji="0" sz="1800" kern="1200">
+        <a:defRPr kumimoji="0" sz="1500" kern="1200">
+          <a:solidFill>
+            <a:schemeClr val="tx1"/>
+          </a:solidFill>
+          <a:latin typeface="+mn-lt"/>
+          <a:ea typeface="+mn-ea"/>
+          <a:cs typeface="+mn-cs"/>
+        </a:defRPr>
+      </a:lvl7pPr>
+      <a:lvl8pPr marL="1920240" indent="-182880" algn="l" rtl="0" eaLnBrk="1" latinLnBrk="0" hangingPunct="1">
+        <a:spcBef>
+          <a:spcPts val="257"/>
+        </a:spcBef>
+        <a:buClr>
+          <a:schemeClr val="accent3">
+            <a:tint val="85000"/>
+            <a:satMod val="275000"/>
+          </a:schemeClr>
+        </a:buClr>
+        <a:buSzPct val="100000"/>
+        <a:buFont typeface="Verdana"/>
+        <a:buChar char="◦"/>
+        <a:defRPr kumimoji="0" sz="1500" kern="1200" baseline="0">
           <a:solidFill>
             <a:schemeClr val="tx1"/>
           </a:solidFill>
@@ -3668,16 +3757,20 @@
           <a:cs typeface="+mn-cs"/>
         </a:defRPr>
       </a:lvl8pPr>
-      <a:lvl9pPr marL="2231136" indent="-182880" algn="l" rtl="0" eaLnBrk="1" latinLnBrk="0" hangingPunct="1">
+      <a:lvl9pPr marL="2148840" indent="-182880" algn="l" rtl="0" eaLnBrk="1" latinLnBrk="0" hangingPunct="1">
         <a:spcBef>
-          <a:spcPct val="20000"/>
+          <a:spcPts val="255"/>
         </a:spcBef>
         <a:buClr>
-          <a:schemeClr val="accent3"/>
+          <a:schemeClr val="accent3">
+            <a:tint val="85000"/>
+            <a:satMod val="275000"/>
+          </a:schemeClr>
         </a:buClr>
-        <a:buFont typeface="Wingdings 2" pitchFamily="18" charset="2"/>
+        <a:buSzPct val="100000"/>
+        <a:buFont typeface="Wingdings 2"/>
         <a:buChar char=""/>
-        <a:defRPr kumimoji="0" sz="1800" kern="1200" baseline="0">
+        <a:defRPr kumimoji="0" sz="1500" kern="1200">
           <a:solidFill>
             <a:schemeClr val="tx1"/>
           </a:solidFill>
@@ -3814,9 +3907,17 @@
         </p:nvSpPr>
         <p:spPr>
           <a:xfrm>
-            <a:off x="395536" y="2130425"/>
+            <a:off x="179512" y="2130425"/>
             <a:ext cx="8424936" cy="1470025"/>
           </a:xfrm>
+          <a:effectLst/>
+          <a:scene3d>
+            <a:camera prst="orthographicFront"/>
+            <a:lightRig rig="threePt" dir="t"/>
+          </a:scene3d>
+          <a:sp3d>
+            <a:bevelT prst="angle"/>
+          </a:sp3d>
         </p:spPr>
         <p:txBody>
           <a:bodyPr>
@@ -3826,88 +3927,217 @@
           <a:p>
             <a:pPr algn="r"/>
             <a:r>
-              <a:rPr lang="en-US" sz="2800" b="0" dirty="0" err="1" smtClean="0">
+              <a:rPr lang="en-US" sz="2800" spc="-150" dirty="0" err="1" smtClean="0">
+                <a:solidFill>
+                  <a:srgbClr val="3539F1"/>
+                </a:solidFill>
+                <a:effectLst>
+                  <a:outerShdw blurRad="38100" dist="38100" dir="2700000" algn="tl">
+                    <a:srgbClr val="000000">
+                      <a:alpha val="43137"/>
+                    </a:srgbClr>
+                  </a:outerShdw>
+                </a:effectLst>
+              </a:rPr>
+              <a:t>Soluci</a:t>
+            </a:r>
+            <a:r>
+              <a:rPr lang="es-PE" sz="2800" spc="-150" dirty="0" smtClean="0">
+                <a:solidFill>
+                  <a:srgbClr val="3539F1"/>
+                </a:solidFill>
+                <a:effectLst>
+                  <a:outerShdw blurRad="38100" dist="38100" dir="2700000" algn="tl">
+                    <a:srgbClr val="000000">
+                      <a:alpha val="43137"/>
+                    </a:srgbClr>
+                  </a:outerShdw>
+                </a:effectLst>
+              </a:rPr>
+              <a:t>ó</a:t>
+            </a:r>
+            <a:r>
+              <a:rPr lang="en-US" sz="2800" spc="-150" dirty="0" smtClean="0">
+                <a:solidFill>
+                  <a:srgbClr val="3539F1"/>
+                </a:solidFill>
+                <a:effectLst>
+                  <a:outerShdw blurRad="38100" dist="38100" dir="2700000" algn="tl">
+                    <a:srgbClr val="000000">
+                      <a:alpha val="43137"/>
+                    </a:srgbClr>
+                  </a:outerShdw>
+                </a:effectLst>
+              </a:rPr>
+              <a:t>n de </a:t>
+            </a:r>
+            <a:r>
+              <a:rPr lang="en-US" sz="2800" spc="-150" dirty="0" err="1" smtClean="0">
+                <a:solidFill>
+                  <a:srgbClr val="3539F1"/>
+                </a:solidFill>
+                <a:effectLst>
+                  <a:outerShdw blurRad="38100" dist="38100" dir="2700000" algn="tl">
+                    <a:srgbClr val="000000">
+                      <a:alpha val="43137"/>
+                    </a:srgbClr>
+                  </a:outerShdw>
+                </a:effectLst>
+              </a:rPr>
+              <a:t>Inteligencia</a:t>
+            </a:r>
+            <a:r>
+              <a:rPr lang="en-US" sz="2800" spc="-150" dirty="0" smtClean="0">
+                <a:solidFill>
+                  <a:srgbClr val="3539F1"/>
+                </a:solidFill>
+                <a:effectLst>
+                  <a:outerShdw blurRad="38100" dist="38100" dir="2700000" algn="tl">
+                    <a:srgbClr val="000000">
+                      <a:alpha val="43137"/>
+                    </a:srgbClr>
+                  </a:outerShdw>
+                </a:effectLst>
+              </a:rPr>
+              <a:t> de </a:t>
+            </a:r>
+            <a:r>
+              <a:rPr lang="en-US" sz="2800" spc="-150" dirty="0" err="1" smtClean="0">
+                <a:solidFill>
+                  <a:srgbClr val="3539F1"/>
+                </a:solidFill>
+                <a:effectLst>
+                  <a:outerShdw blurRad="38100" dist="38100" dir="2700000" algn="tl">
+                    <a:srgbClr val="000000">
+                      <a:alpha val="43137"/>
+                    </a:srgbClr>
+                  </a:outerShdw>
+                </a:effectLst>
+              </a:rPr>
+              <a:t>Negocios</a:t>
+            </a:r>
+            <a:r>
+              <a:rPr lang="en-US" sz="3200" dirty="0" smtClean="0">
+                <a:solidFill>
+                  <a:schemeClr val="accent3">
+                    <a:lumMod val="60000"/>
+                    <a:lumOff val="40000"/>
+                  </a:schemeClr>
+                </a:solidFill>
+              </a:rPr>
+              <a:t/>
+            </a:r>
+            <a:br>
+              <a:rPr lang="en-US" sz="3200" dirty="0" smtClean="0">
+                <a:solidFill>
+                  <a:schemeClr val="accent3">
+                    <a:lumMod val="60000"/>
+                    <a:lumOff val="40000"/>
+                  </a:schemeClr>
+                </a:solidFill>
+              </a:rPr>
+            </a:br>
+            <a:r>
+              <a:rPr lang="en-US" sz="4000" dirty="0" smtClean="0">
                 <a:solidFill>
                   <a:srgbClr val="FFFF00"/>
                 </a:solidFill>
+                <a:effectLst>
+                  <a:outerShdw blurRad="38100" dist="38100" dir="2700000" algn="tl">
+                    <a:srgbClr val="000000">
+                      <a:alpha val="43137"/>
+                    </a:srgbClr>
+                  </a:outerShdw>
+                </a:effectLst>
               </a:rPr>
-              <a:t>Soluci</a:t>
-            </a:r>
-            <a:r>
-              <a:rPr lang="es-PE" sz="2800" b="0" dirty="0" smtClean="0">
+              <a:t>PITS </a:t>
+            </a:r>
+            <a:r>
+              <a:rPr lang="en-US" sz="2400" dirty="0" smtClean="0">
                 <a:solidFill>
                   <a:srgbClr val="FFFF00"/>
                 </a:solidFill>
+                <a:effectLst>
+                  <a:outerShdw blurRad="38100" dist="38100" dir="2700000" algn="tl">
+                    <a:srgbClr val="000000">
+                      <a:alpha val="43137"/>
+                    </a:srgbClr>
+                  </a:outerShdw>
+                </a:effectLst>
               </a:rPr>
-              <a:t>ó</a:t>
-            </a:r>
-            <a:r>
-              <a:rPr lang="en-US" sz="2800" b="0" dirty="0" smtClean="0">
+              <a:t>Log</a:t>
+            </a:r>
+            <a:r>
+              <a:rPr lang="es-PE" sz="2400" dirty="0" smtClean="0">
                 <a:solidFill>
                   <a:srgbClr val="FFFF00"/>
                 </a:solidFill>
+                <a:effectLst>
+                  <a:outerShdw blurRad="38100" dist="38100" dir="2700000" algn="tl">
+                    <a:srgbClr val="000000">
+                      <a:alpha val="43137"/>
+                    </a:srgbClr>
+                  </a:outerShdw>
+                </a:effectLst>
               </a:rPr>
-              <a:t>n de </a:t>
-            </a:r>
-            <a:r>
-              <a:rPr lang="en-US" sz="2800" b="0" dirty="0" err="1" smtClean="0">
+              <a:t>í</a:t>
+            </a:r>
+            <a:r>
+              <a:rPr lang="en-US" sz="2400" dirty="0" err="1" smtClean="0">
                 <a:solidFill>
                   <a:srgbClr val="FFFF00"/>
                 </a:solidFill>
+                <a:effectLst>
+                  <a:outerShdw blurRad="38100" dist="38100" dir="2700000" algn="tl">
+                    <a:srgbClr val="000000">
+                      <a:alpha val="43137"/>
+                    </a:srgbClr>
+                  </a:outerShdw>
+                </a:effectLst>
               </a:rPr>
-              <a:t>Inteligencia</a:t>
-            </a:r>
-            <a:r>
-              <a:rPr lang="en-US" sz="2800" b="0" dirty="0" smtClean="0">
+              <a:t>stica</a:t>
+            </a:r>
+            <a:r>
+              <a:rPr lang="en-US" sz="2400" dirty="0" smtClean="0">
                 <a:solidFill>
                   <a:srgbClr val="FFFF00"/>
                 </a:solidFill>
+                <a:effectLst>
+                  <a:outerShdw blurRad="38100" dist="38100" dir="2700000" algn="tl">
+                    <a:srgbClr val="000000">
+                      <a:alpha val="43137"/>
+                    </a:srgbClr>
+                  </a:outerShdw>
+                </a:effectLst>
               </a:rPr>
-              <a:t> de </a:t>
-            </a:r>
-            <a:r>
-              <a:rPr lang="en-US" sz="2800" b="0" dirty="0" err="1" smtClean="0">
+              <a:t> </a:t>
+            </a:r>
+            <a:r>
+              <a:rPr lang="en-US" sz="2400" dirty="0" smtClean="0">
                 <a:solidFill>
                   <a:srgbClr val="FFFF00"/>
                 </a:solidFill>
+                <a:effectLst>
+                  <a:outerShdw blurRad="38100" dist="38100" dir="2700000" algn="tl">
+                    <a:srgbClr val="000000">
+                      <a:alpha val="43137"/>
+                    </a:srgbClr>
+                  </a:outerShdw>
+                </a:effectLst>
               </a:rPr>
-              <a:t>Negocios</a:t>
-            </a:r>
-            <a:r>
-              <a:rPr lang="en-US" sz="3200" dirty="0" smtClean="0"/>
-              <a:t/>
-            </a:r>
-            <a:br>
-              <a:rPr lang="en-US" sz="3200" dirty="0" smtClean="0"/>
-            </a:br>
-            <a:r>
-              <a:rPr lang="en-US" sz="4000" dirty="0" smtClean="0">
-                <a:solidFill>
-                  <a:srgbClr val="92D050"/>
-                </a:solidFill>
-              </a:rPr>
-              <a:t>PITS </a:t>
-            </a:r>
-            <a:r>
-              <a:rPr lang="en-US" sz="2400" dirty="0" err="1" smtClean="0">
-                <a:solidFill>
-                  <a:srgbClr val="92D050"/>
-                </a:solidFill>
-              </a:rPr>
-              <a:t>Logistica</a:t>
-            </a:r>
-            <a:r>
-              <a:rPr lang="en-US" sz="2400" dirty="0" smtClean="0">
-                <a:solidFill>
-                  <a:srgbClr val="92D050"/>
-                </a:solidFill>
-              </a:rPr>
-              <a:t> Integral</a:t>
+              <a:t>Integral</a:t>
             </a:r>
             <a:endParaRPr lang="es-PE" sz="2400" dirty="0">
               <a:solidFill>
-                <a:srgbClr val="92D050"/>
+                <a:srgbClr val="FFFF00"/>
               </a:solidFill>
+              <a:effectLst>
+                <a:outerShdw blurRad="38100" dist="38100" dir="2700000" algn="tl">
+                  <a:srgbClr val="000000">
+                    <a:alpha val="43137"/>
+                  </a:srgbClr>
+                </a:outerShdw>
+              </a:effectLst>
             </a:endParaRPr>
           </a:p>
         </p:txBody>
@@ -3924,7 +4154,7 @@
         </p:nvSpPr>
         <p:spPr>
           <a:xfrm>
-            <a:off x="339080" y="4149080"/>
+            <a:off x="3779912" y="4653136"/>
             <a:ext cx="4953000" cy="1752600"/>
           </a:xfrm>
         </p:spPr>
@@ -4014,7 +4244,12 @@
             <p:ph type="title"/>
           </p:nvPr>
         </p:nvSpPr>
-        <p:spPr/>
+        <p:spPr>
+          <a:xfrm>
+            <a:off x="467544" y="5445224"/>
+            <a:ext cx="8183880" cy="1051560"/>
+          </a:xfrm>
+        </p:spPr>
         <p:txBody>
           <a:bodyPr/>
           <a:lstStyle/>
@@ -4090,21 +4325,21 @@
         </p:nvSpPr>
         <p:spPr>
           <a:xfrm>
-            <a:off x="457200" y="155448"/>
+            <a:off x="395536" y="5229200"/>
             <a:ext cx="8507288" cy="1252728"/>
           </a:xfrm>
         </p:spPr>
         <p:txBody>
           <a:bodyPr>
-            <a:normAutofit fontScale="90000"/>
+            <a:normAutofit/>
           </a:bodyPr>
           <a:lstStyle/>
           <a:p>
             <a:r>
-              <a:rPr lang="es-PE" dirty="0" smtClean="0"/>
+              <a:rPr lang="es-PE" sz="2800" dirty="0" smtClean="0"/>
               <a:t>Descripción de la solución planteada</a:t>
             </a:r>
-            <a:endParaRPr lang="es-PE" dirty="0"/>
+            <a:endParaRPr lang="es-PE" sz="2800" dirty="0"/>
           </a:p>
         </p:txBody>
       </p:sp>
@@ -4118,7 +4353,12 @@
             <p:ph idx="1"/>
           </p:nvPr>
         </p:nvSpPr>
-        <p:spPr/>
+        <p:spPr>
+          <a:xfrm>
+            <a:off x="502920" y="530352"/>
+            <a:ext cx="8183880" cy="5274912"/>
+          </a:xfrm>
+        </p:spPr>
         <p:txBody>
           <a:bodyPr/>
           <a:lstStyle/>
@@ -4169,7 +4409,12 @@
             <p:ph type="title"/>
           </p:nvPr>
         </p:nvSpPr>
-        <p:spPr/>
+        <p:spPr>
+          <a:xfrm>
+            <a:off x="467544" y="5445224"/>
+            <a:ext cx="8183880" cy="1051560"/>
+          </a:xfrm>
+        </p:spPr>
         <p:txBody>
           <a:bodyPr>
             <a:normAutofit fontScale="90000"/>
@@ -4245,7 +4490,12 @@
             <p:ph type="title"/>
           </p:nvPr>
         </p:nvSpPr>
-        <p:spPr/>
+        <p:spPr>
+          <a:xfrm>
+            <a:off x="467544" y="5445224"/>
+            <a:ext cx="8183880" cy="1051560"/>
+          </a:xfrm>
+        </p:spPr>
         <p:txBody>
           <a:bodyPr/>
           <a:lstStyle/>
@@ -4268,7 +4518,12 @@
             <p:ph idx="1"/>
           </p:nvPr>
         </p:nvSpPr>
-        <p:spPr/>
+        <p:spPr>
+          <a:xfrm>
+            <a:off x="539552" y="548680"/>
+            <a:ext cx="8183880" cy="4187952"/>
+          </a:xfrm>
+        </p:spPr>
         <p:txBody>
           <a:bodyPr/>
           <a:lstStyle/>
@@ -4319,7 +4574,12 @@
             <p:ph type="title"/>
           </p:nvPr>
         </p:nvSpPr>
-        <p:spPr/>
+        <p:spPr>
+          <a:xfrm>
+            <a:off x="467544" y="5373216"/>
+            <a:ext cx="8183880" cy="1051560"/>
+          </a:xfrm>
+        </p:spPr>
         <p:txBody>
           <a:bodyPr/>
           <a:lstStyle/>
@@ -4437,9 +4697,9 @@
 </file>
 
 <file path=ppt/theme/theme1.xml><?xml version="1.0" encoding="utf-8"?>
-<a:theme xmlns:a="http://schemas.openxmlformats.org/drawingml/2006/main" name="Módulo">
+<a:theme xmlns:a="http://schemas.openxmlformats.org/drawingml/2006/main" name="Aspecto">
   <a:themeElements>
-    <a:clrScheme name="Módulo">
+    <a:clrScheme name="Aspecto">
       <a:dk1>
         <a:sysClr val="windowText" lastClr="000000"/>
       </a:dk1>
@@ -4447,48 +4707,48 @@
         <a:sysClr val="window" lastClr="FFFFFF"/>
       </a:lt1>
       <a:dk2>
-        <a:srgbClr val="5A6378"/>
+        <a:srgbClr val="323232"/>
       </a:dk2>
       <a:lt2>
-        <a:srgbClr val="D4D4D6"/>
+        <a:srgbClr val="E3DED1"/>
       </a:lt2>
       <a:accent1>
-        <a:srgbClr val="F0AD00"/>
+        <a:srgbClr val="F07F09"/>
       </a:accent1>
       <a:accent2>
-        <a:srgbClr val="60B5CC"/>
+        <a:srgbClr val="9F2936"/>
       </a:accent2>
       <a:accent3>
-        <a:srgbClr val="E66C7D"/>
+        <a:srgbClr val="1B587C"/>
       </a:accent3>
       <a:accent4>
-        <a:srgbClr val="6BB76D"/>
+        <a:srgbClr val="4E8542"/>
       </a:accent4>
       <a:accent5>
-        <a:srgbClr val="E88651"/>
+        <a:srgbClr val="604878"/>
       </a:accent5>
       <a:accent6>
-        <a:srgbClr val="C64847"/>
+        <a:srgbClr val="C19859"/>
       </a:accent6>
       <a:hlink>
-        <a:srgbClr val="168BBA"/>
+        <a:srgbClr val="6B9F25"/>
       </a:hlink>
       <a:folHlink>
-        <a:srgbClr val="680000"/>
+        <a:srgbClr val="B26B02"/>
       </a:folHlink>
     </a:clrScheme>
-    <a:fontScheme name="Módulo">
+    <a:fontScheme name="Aspecto">
       <a:majorFont>
-        <a:latin typeface="Corbel"/>
+        <a:latin typeface="Verdana"/>
         <a:ea typeface=""/>
         <a:cs typeface=""/>
-        <a:font script="Jpan" typeface="HGｺﾞｼｯｸM"/>
-        <a:font script="Hang" typeface="HY엽서L"/>
-        <a:font script="Hans" typeface="华文楷体"/>
-        <a:font script="Hant" typeface="新細明體"/>
+        <a:font script="Jpan" typeface="ＭＳ ゴシック"/>
+        <a:font script="Hang" typeface="굴림"/>
+        <a:font script="Hans" typeface="微软雅黑"/>
+        <a:font script="Hant" typeface="微軟正黑體"/>
         <a:font script="Arab" typeface="Tahoma"/>
-        <a:font script="Hebr" typeface="Miriam"/>
-        <a:font script="Thai" typeface="DilleniaUPC"/>
+        <a:font script="Hebr" typeface="Tahoma"/>
+        <a:font script="Thai" typeface="FreesiaUPC"/>
         <a:font script="Ethi" typeface="Nyala"/>
         <a:font script="Beng" typeface="Vrinda"/>
         <a:font script="Gujr" typeface="Shruti"/>
@@ -4509,20 +4769,20 @@
         <a:font script="Laoo" typeface="DokChampa"/>
         <a:font script="Sinh" typeface="Iskoola Pota"/>
         <a:font script="Mong" typeface="Mongolian Baiti"/>
-        <a:font script="Viet" typeface="Arial"/>
+        <a:font script="Viet" typeface="Verdana"/>
         <a:font script="Uigh" typeface="Microsoft Uighur"/>
       </a:majorFont>
       <a:minorFont>
-        <a:latin typeface="Corbel"/>
+        <a:latin typeface="Verdana"/>
         <a:ea typeface=""/>
         <a:cs typeface=""/>
-        <a:font script="Jpan" typeface="HGｺﾞｼｯｸM"/>
-        <a:font script="Hang" typeface="HY엽서L"/>
-        <a:font script="Hans" typeface="华文楷体"/>
-        <a:font script="Hant" typeface="新細明體"/>
+        <a:font script="Jpan" typeface="ＭＳ ゴシック"/>
+        <a:font script="Hang" typeface="굴림"/>
+        <a:font script="Hans" typeface="微软雅黑"/>
+        <a:font script="Hant" typeface="微軟正黑體"/>
         <a:font script="Arab" typeface="Tahoma"/>
-        <a:font script="Hebr" typeface="Miriam"/>
-        <a:font script="Thai" typeface="DilleniaUPC"/>
+        <a:font script="Hebr" typeface="Tahoma"/>
+        <a:font script="Thai" typeface="FreesiaUPC"/>
         <a:font script="Ethi" typeface="Nyala"/>
         <a:font script="Beng" typeface="Vrinda"/>
         <a:font script="Gujr" typeface="Shruti"/>
@@ -4543,11 +4803,11 @@
         <a:font script="Laoo" typeface="DokChampa"/>
         <a:font script="Sinh" typeface="Iskoola Pota"/>
         <a:font script="Mong" typeface="Mongolian Baiti"/>
-        <a:font script="Viet" typeface="Arial"/>
+        <a:font script="Viet" typeface="Verdana"/>
         <a:font script="Uigh" typeface="Microsoft Uighur"/>
       </a:minorFont>
     </a:fontScheme>
-    <a:fmtScheme name="Módulo">
+    <a:fmtScheme name="Aspecto">
       <a:fillStyleLst>
         <a:solidFill>
           <a:schemeClr val="phClr"/>
@@ -4556,20 +4816,20 @@
           <a:gsLst>
             <a:gs pos="0">
               <a:schemeClr val="phClr">
-                <a:tint val="50000"/>
-                <a:satMod val="300000"/>
+                <a:tint val="65000"/>
+                <a:satMod val="270000"/>
               </a:schemeClr>
             </a:gs>
-            <a:gs pos="35000">
+            <a:gs pos="25000">
               <a:schemeClr val="phClr">
-                <a:tint val="37000"/>
+                <a:tint val="60000"/>
                 <a:satMod val="300000"/>
               </a:schemeClr>
             </a:gs>
             <a:gs pos="100000">
               <a:schemeClr val="phClr">
-                <a:tint val="15000"/>
-                <a:satMod val="350000"/>
+                <a:tint val="29000"/>
+                <a:satMod val="400000"/>
               </a:schemeClr>
             </a:gs>
           </a:gsLst>
@@ -4579,20 +4839,20 @@
           <a:gsLst>
             <a:gs pos="0">
               <a:schemeClr val="phClr">
-                <a:shade val="47500"/>
-                <a:satMod val="137000"/>
+                <a:shade val="45000"/>
+                <a:satMod val="155000"/>
               </a:schemeClr>
             </a:gs>
-            <a:gs pos="55000">
+            <a:gs pos="60000">
               <a:schemeClr val="phClr">
-                <a:shade val="69000"/>
-                <a:satMod val="137000"/>
+                <a:shade val="95000"/>
+                <a:satMod val="150000"/>
               </a:schemeClr>
             </a:gs>
             <a:gs pos="100000">
               <a:schemeClr val="phClr">
-                <a:shade val="98000"/>
-                <a:satMod val="137000"/>
+                <a:tint val="87000"/>
+                <a:satMod val="250000"/>
               </a:schemeClr>
             </a:gs>
           </a:gsLst>
@@ -4600,22 +4860,21 @@
         </a:gradFill>
       </a:fillStyleLst>
       <a:lnStyleLst>
-        <a:ln w="6350" cap="rnd" cmpd="sng" algn="ctr">
+        <a:ln w="9525" cap="flat" cmpd="sng" algn="ctr">
           <a:solidFill>
             <a:schemeClr val="phClr">
-              <a:shade val="95000"/>
-              <a:satMod val="105000"/>
+              <a:satMod val="150000"/>
             </a:schemeClr>
           </a:solidFill>
           <a:prstDash val="solid"/>
         </a:ln>
-        <a:ln w="48000" cap="flat" cmpd="thickThin" algn="ctr">
+        <a:ln w="42500" cap="flat" cmpd="sng" algn="ctr">
           <a:solidFill>
             <a:schemeClr val="phClr"/>
           </a:solidFill>
           <a:prstDash val="solid"/>
         </a:ln>
-        <a:ln w="48500" cap="flat" cmpd="thickThin" algn="ctr">
+        <a:ln w="38100" cap="flat" cmpd="sng" algn="ctr">
           <a:solidFill>
             <a:schemeClr val="phClr"/>
           </a:solidFill>
@@ -4625,27 +4884,27 @@
       <a:effectStyleLst>
         <a:effectStyle>
           <a:effectLst>
-            <a:outerShdw blurRad="45000" dist="25000" dir="5400000" rotWithShape="0">
+            <a:outerShdw blurRad="65500" dist="38100" dir="5400000" rotWithShape="0">
               <a:srgbClr val="000000">
-                <a:alpha val="38000"/>
+                <a:alpha val="40000"/>
               </a:srgbClr>
             </a:outerShdw>
           </a:effectLst>
         </a:effectStyle>
         <a:effectStyle>
           <a:effectLst>
-            <a:outerShdw blurRad="39000" dist="25400" dir="5400000" rotWithShape="0">
+            <a:outerShdw blurRad="65500" dist="38100" dir="5400000" rotWithShape="0">
               <a:srgbClr val="000000">
-                <a:alpha val="38000"/>
+                <a:alpha val="40000"/>
               </a:srgbClr>
             </a:outerShdw>
           </a:effectLst>
         </a:effectStyle>
         <a:effectStyle>
           <a:effectLst>
-            <a:outerShdw blurRad="39000" dist="25400" dir="5400000" rotWithShape="0">
+            <a:outerShdw blurRad="65500" dist="38100" dir="5400000" rotWithShape="0">
               <a:srgbClr val="000000">
-                <a:alpha val="38000"/>
+                <a:alpha val="40000"/>
               </a:srgbClr>
             </a:outerShdw>
           </a:effectLst>
@@ -4653,12 +4912,12 @@
             <a:camera prst="orthographicFront" fov="0">
               <a:rot lat="0" lon="0" rev="0"/>
             </a:camera>
-            <a:lightRig rig="threePt" dir="t">
-              <a:rot lat="0" lon="0" rev="1800000"/>
+            <a:lightRig rig="contrasting" dir="t">
+              <a:rot lat="0" lon="0" rev="12000000"/>
             </a:lightRig>
           </a:scene3d>
-          <a:sp3d prstMaterial="matte">
-            <a:bevelT h="20000"/>
+          <a:sp3d prstMaterial="powder">
+            <a:bevelT h="50800"/>
           </a:sp3d>
         </a:effectStyle>
       </a:effectStyleLst>
@@ -4670,46 +4929,39 @@
           <a:gsLst>
             <a:gs pos="0">
               <a:schemeClr val="phClr">
-                <a:tint val="48000"/>
-                <a:satMod val="300000"/>
+                <a:shade val="35000"/>
+                <a:satMod val="150000"/>
               </a:schemeClr>
             </a:gs>
-            <a:gs pos="12000">
+            <a:gs pos="45000">
               <a:schemeClr val="phClr">
-                <a:tint val="48000"/>
-                <a:satMod val="300000"/>
-              </a:schemeClr>
-            </a:gs>
-            <a:gs pos="20000">
-              <a:schemeClr val="phClr">
-                <a:tint val="49000"/>
-                <a:satMod val="300000"/>
+                <a:shade val="68000"/>
+                <a:satMod val="155000"/>
               </a:schemeClr>
             </a:gs>
             <a:gs pos="100000">
               <a:schemeClr val="phClr">
-                <a:shade val="30000"/>
+                <a:tint val="70000"/>
+                <a:satMod val="175000"/>
               </a:schemeClr>
             </a:gs>
           </a:gsLst>
-          <a:path path="circle">
-            <a:fillToRect l="10000" t="-25000" r="10000" b="125000"/>
-          </a:path>
+          <a:lin ang="16200000" scaled="0"/>
         </a:gradFill>
         <a:blipFill>
           <a:blip xmlns:r="http://schemas.openxmlformats.org/officeDocument/2006/relationships" r:embed="rId1">
             <a:duotone>
               <a:schemeClr val="phClr">
-                <a:shade val="75000"/>
-                <a:satMod val="105000"/>
+                <a:shade val="800"/>
+                <a:satMod val="150000"/>
               </a:schemeClr>
               <a:schemeClr val="phClr">
-                <a:tint val="95000"/>
-                <a:satMod val="105000"/>
+                <a:tint val="80000"/>
+                <a:satMod val="150000"/>
               </a:schemeClr>
             </a:duotone>
           </a:blip>
-          <a:tile tx="0" ty="0" sx="38000" sy="38000" flip="none" algn="tl"/>
+          <a:tile tx="0" ty="0" sx="75000" sy="75000" flip="none" algn="tl"/>
         </a:blipFill>
       </a:bgFillStyleLst>
     </a:fmtScheme>
